--- a/article/present/hc.pptx
+++ b/article/present/hc.pptx
@@ -7,21 +7,22 @@
   <p:sldIdLst>
     <p:sldId id="257" r:id="rId2"/>
     <p:sldId id="270" r:id="rId3"/>
-    <p:sldId id="271" r:id="rId4"/>
-    <p:sldId id="272" r:id="rId5"/>
-    <p:sldId id="256" r:id="rId6"/>
-    <p:sldId id="258" r:id="rId7"/>
-    <p:sldId id="259" r:id="rId8"/>
-    <p:sldId id="260" r:id="rId9"/>
-    <p:sldId id="261" r:id="rId10"/>
-    <p:sldId id="269" r:id="rId11"/>
-    <p:sldId id="262" r:id="rId12"/>
-    <p:sldId id="267" r:id="rId13"/>
-    <p:sldId id="263" r:id="rId14"/>
-    <p:sldId id="265" r:id="rId15"/>
-    <p:sldId id="264" r:id="rId16"/>
-    <p:sldId id="266" r:id="rId17"/>
-    <p:sldId id="268" r:id="rId18"/>
+    <p:sldId id="273" r:id="rId4"/>
+    <p:sldId id="271" r:id="rId5"/>
+    <p:sldId id="272" r:id="rId6"/>
+    <p:sldId id="256" r:id="rId7"/>
+    <p:sldId id="258" r:id="rId8"/>
+    <p:sldId id="259" r:id="rId9"/>
+    <p:sldId id="260" r:id="rId10"/>
+    <p:sldId id="261" r:id="rId11"/>
+    <p:sldId id="269" r:id="rId12"/>
+    <p:sldId id="262" r:id="rId13"/>
+    <p:sldId id="267" r:id="rId14"/>
+    <p:sldId id="263" r:id="rId15"/>
+    <p:sldId id="265" r:id="rId16"/>
+    <p:sldId id="264" r:id="rId17"/>
+    <p:sldId id="266" r:id="rId18"/>
+    <p:sldId id="268" r:id="rId19"/>
   </p:sldIdLst>
   <p:sldSz cx="12192000" cy="6858000"/>
   <p:notesSz cx="6858000" cy="9144000"/>
@@ -181,10 +182,9 @@
           </a:lstStyle>
           <a:p>
             <a:r>
-              <a:rPr lang="en-US" smtClean="0"/>
+              <a:rPr lang="en-US"/>
               <a:t>Click to edit Master title style</a:t>
             </a:r>
-            <a:endParaRPr lang="en-US"/>
           </a:p>
         </p:txBody>
       </p:sp>
@@ -246,10 +246,9 @@
           </a:lstStyle>
           <a:p>
             <a:r>
-              <a:rPr lang="en-US" smtClean="0"/>
+              <a:rPr lang="en-US"/>
               <a:t>Click to edit Master subtitle style</a:t>
             </a:r>
-            <a:endParaRPr lang="en-US"/>
           </a:p>
         </p:txBody>
       </p:sp>
@@ -270,7 +269,7 @@
           <a:p>
             <a:fld id="{41635E24-1D81-43C6-A33F-0FC55214D91A}" type="datetimeFigureOut">
               <a:rPr lang="en-US" smtClean="0"/>
-              <a:t>3/5/2020</a:t>
+              <a:t>4/16/2023</a:t>
             </a:fld>
             <a:endParaRPr lang="en-US"/>
           </a:p>
@@ -364,10 +363,9 @@
           <a:lstStyle/>
           <a:p>
             <a:r>
-              <a:rPr lang="en-US" smtClean="0"/>
+              <a:rPr lang="en-US"/>
               <a:t>Click to edit Master title style</a:t>
             </a:r>
-            <a:endParaRPr lang="en-US"/>
           </a:p>
         </p:txBody>
       </p:sp>
@@ -388,38 +386,37 @@
           <a:p>
             <a:pPr lvl="0"/>
             <a:r>
-              <a:rPr lang="en-US" smtClean="0"/>
+              <a:rPr lang="en-US"/>
               <a:t>Click to edit Master text styles</a:t>
             </a:r>
           </a:p>
           <a:p>
             <a:pPr lvl="1"/>
             <a:r>
-              <a:rPr lang="en-US" smtClean="0"/>
+              <a:rPr lang="en-US"/>
               <a:t>Second level</a:t>
             </a:r>
           </a:p>
           <a:p>
             <a:pPr lvl="2"/>
             <a:r>
-              <a:rPr lang="en-US" smtClean="0"/>
+              <a:rPr lang="en-US"/>
               <a:t>Third level</a:t>
             </a:r>
           </a:p>
           <a:p>
             <a:pPr lvl="3"/>
             <a:r>
-              <a:rPr lang="en-US" smtClean="0"/>
+              <a:rPr lang="en-US"/>
               <a:t>Fourth level</a:t>
             </a:r>
           </a:p>
           <a:p>
             <a:pPr lvl="4"/>
             <a:r>
-              <a:rPr lang="en-US" smtClean="0"/>
+              <a:rPr lang="en-US"/>
               <a:t>Fifth level</a:t>
             </a:r>
-            <a:endParaRPr lang="en-US"/>
           </a:p>
         </p:txBody>
       </p:sp>
@@ -440,7 +437,7 @@
           <a:p>
             <a:fld id="{41635E24-1D81-43C6-A33F-0FC55214D91A}" type="datetimeFigureOut">
               <a:rPr lang="en-US" smtClean="0"/>
-              <a:t>3/5/2020</a:t>
+              <a:t>4/16/2023</a:t>
             </a:fld>
             <a:endParaRPr lang="en-US"/>
           </a:p>
@@ -539,10 +536,9 @@
           <a:lstStyle/>
           <a:p>
             <a:r>
-              <a:rPr lang="en-US" smtClean="0"/>
+              <a:rPr lang="en-US"/>
               <a:t>Click to edit Master title style</a:t>
             </a:r>
-            <a:endParaRPr lang="en-US"/>
           </a:p>
         </p:txBody>
       </p:sp>
@@ -568,38 +564,37 @@
           <a:p>
             <a:pPr lvl="0"/>
             <a:r>
-              <a:rPr lang="en-US" smtClean="0"/>
+              <a:rPr lang="en-US"/>
               <a:t>Click to edit Master text styles</a:t>
             </a:r>
           </a:p>
           <a:p>
             <a:pPr lvl="1"/>
             <a:r>
-              <a:rPr lang="en-US" smtClean="0"/>
+              <a:rPr lang="en-US"/>
               <a:t>Second level</a:t>
             </a:r>
           </a:p>
           <a:p>
             <a:pPr lvl="2"/>
             <a:r>
-              <a:rPr lang="en-US" smtClean="0"/>
+              <a:rPr lang="en-US"/>
               <a:t>Third level</a:t>
             </a:r>
           </a:p>
           <a:p>
             <a:pPr lvl="3"/>
             <a:r>
-              <a:rPr lang="en-US" smtClean="0"/>
+              <a:rPr lang="en-US"/>
               <a:t>Fourth level</a:t>
             </a:r>
           </a:p>
           <a:p>
             <a:pPr lvl="4"/>
             <a:r>
-              <a:rPr lang="en-US" smtClean="0"/>
+              <a:rPr lang="en-US"/>
               <a:t>Fifth level</a:t>
             </a:r>
-            <a:endParaRPr lang="en-US"/>
           </a:p>
         </p:txBody>
       </p:sp>
@@ -620,7 +615,7 @@
           <a:p>
             <a:fld id="{41635E24-1D81-43C6-A33F-0FC55214D91A}" type="datetimeFigureOut">
               <a:rPr lang="en-US" smtClean="0"/>
-              <a:t>3/5/2020</a:t>
+              <a:t>4/16/2023</a:t>
             </a:fld>
             <a:endParaRPr lang="en-US"/>
           </a:p>
@@ -714,10 +709,9 @@
           <a:lstStyle/>
           <a:p>
             <a:r>
-              <a:rPr lang="en-US" smtClean="0"/>
+              <a:rPr lang="en-US"/>
               <a:t>Click to edit Master title style</a:t>
             </a:r>
-            <a:endParaRPr lang="en-US"/>
           </a:p>
         </p:txBody>
       </p:sp>
@@ -738,38 +732,37 @@
           <a:p>
             <a:pPr lvl="0"/>
             <a:r>
-              <a:rPr lang="en-US" smtClean="0"/>
+              <a:rPr lang="en-US"/>
               <a:t>Click to edit Master text styles</a:t>
             </a:r>
           </a:p>
           <a:p>
             <a:pPr lvl="1"/>
             <a:r>
-              <a:rPr lang="en-US" smtClean="0"/>
+              <a:rPr lang="en-US"/>
               <a:t>Second level</a:t>
             </a:r>
           </a:p>
           <a:p>
             <a:pPr lvl="2"/>
             <a:r>
-              <a:rPr lang="en-US" smtClean="0"/>
+              <a:rPr lang="en-US"/>
               <a:t>Third level</a:t>
             </a:r>
           </a:p>
           <a:p>
             <a:pPr lvl="3"/>
             <a:r>
-              <a:rPr lang="en-US" smtClean="0"/>
+              <a:rPr lang="en-US"/>
               <a:t>Fourth level</a:t>
             </a:r>
           </a:p>
           <a:p>
             <a:pPr lvl="4"/>
             <a:r>
-              <a:rPr lang="en-US" smtClean="0"/>
+              <a:rPr lang="en-US"/>
               <a:t>Fifth level</a:t>
             </a:r>
-            <a:endParaRPr lang="en-US"/>
           </a:p>
         </p:txBody>
       </p:sp>
@@ -790,7 +783,7 @@
           <a:p>
             <a:fld id="{41635E24-1D81-43C6-A33F-0FC55214D91A}" type="datetimeFigureOut">
               <a:rPr lang="en-US" smtClean="0"/>
-              <a:t>3/5/2020</a:t>
+              <a:t>4/16/2023</a:t>
             </a:fld>
             <a:endParaRPr lang="en-US"/>
           </a:p>
@@ -893,10 +886,9 @@
           </a:lstStyle>
           <a:p>
             <a:r>
-              <a:rPr lang="en-US" smtClean="0"/>
+              <a:rPr lang="en-US"/>
               <a:t>Click to edit Master title style</a:t>
             </a:r>
-            <a:endParaRPr lang="en-US"/>
           </a:p>
         </p:txBody>
       </p:sp>
@@ -1013,7 +1005,7 @@
           <a:p>
             <a:pPr lvl="0"/>
             <a:r>
-              <a:rPr lang="en-US" smtClean="0"/>
+              <a:rPr lang="en-US"/>
               <a:t>Click to edit Master text styles</a:t>
             </a:r>
           </a:p>
@@ -1036,7 +1028,7 @@
           <a:p>
             <a:fld id="{41635E24-1D81-43C6-A33F-0FC55214D91A}" type="datetimeFigureOut">
               <a:rPr lang="en-US" smtClean="0"/>
-              <a:t>3/5/2020</a:t>
+              <a:t>4/16/2023</a:t>
             </a:fld>
             <a:endParaRPr lang="en-US"/>
           </a:p>
@@ -1130,10 +1122,9 @@
           <a:lstStyle/>
           <a:p>
             <a:r>
-              <a:rPr lang="en-US" smtClean="0"/>
+              <a:rPr lang="en-US"/>
               <a:t>Click to edit Master title style</a:t>
             </a:r>
-            <a:endParaRPr lang="en-US"/>
           </a:p>
         </p:txBody>
       </p:sp>
@@ -1159,38 +1150,37 @@
           <a:p>
             <a:pPr lvl="0"/>
             <a:r>
-              <a:rPr lang="en-US" smtClean="0"/>
+              <a:rPr lang="en-US"/>
               <a:t>Click to edit Master text styles</a:t>
             </a:r>
           </a:p>
           <a:p>
             <a:pPr lvl="1"/>
             <a:r>
-              <a:rPr lang="en-US" smtClean="0"/>
+              <a:rPr lang="en-US"/>
               <a:t>Second level</a:t>
             </a:r>
           </a:p>
           <a:p>
             <a:pPr lvl="2"/>
             <a:r>
-              <a:rPr lang="en-US" smtClean="0"/>
+              <a:rPr lang="en-US"/>
               <a:t>Third level</a:t>
             </a:r>
           </a:p>
           <a:p>
             <a:pPr lvl="3"/>
             <a:r>
-              <a:rPr lang="en-US" smtClean="0"/>
+              <a:rPr lang="en-US"/>
               <a:t>Fourth level</a:t>
             </a:r>
           </a:p>
           <a:p>
             <a:pPr lvl="4"/>
             <a:r>
-              <a:rPr lang="en-US" smtClean="0"/>
+              <a:rPr lang="en-US"/>
               <a:t>Fifth level</a:t>
             </a:r>
-            <a:endParaRPr lang="en-US"/>
           </a:p>
         </p:txBody>
       </p:sp>
@@ -1216,38 +1206,37 @@
           <a:p>
             <a:pPr lvl="0"/>
             <a:r>
-              <a:rPr lang="en-US" smtClean="0"/>
+              <a:rPr lang="en-US"/>
               <a:t>Click to edit Master text styles</a:t>
             </a:r>
           </a:p>
           <a:p>
             <a:pPr lvl="1"/>
             <a:r>
-              <a:rPr lang="en-US" smtClean="0"/>
+              <a:rPr lang="en-US"/>
               <a:t>Second level</a:t>
             </a:r>
           </a:p>
           <a:p>
             <a:pPr lvl="2"/>
             <a:r>
-              <a:rPr lang="en-US" smtClean="0"/>
+              <a:rPr lang="en-US"/>
               <a:t>Third level</a:t>
             </a:r>
           </a:p>
           <a:p>
             <a:pPr lvl="3"/>
             <a:r>
-              <a:rPr lang="en-US" smtClean="0"/>
+              <a:rPr lang="en-US"/>
               <a:t>Fourth level</a:t>
             </a:r>
           </a:p>
           <a:p>
             <a:pPr lvl="4"/>
             <a:r>
-              <a:rPr lang="en-US" smtClean="0"/>
+              <a:rPr lang="en-US"/>
               <a:t>Fifth level</a:t>
             </a:r>
-            <a:endParaRPr lang="en-US"/>
           </a:p>
         </p:txBody>
       </p:sp>
@@ -1268,7 +1257,7 @@
           <a:p>
             <a:fld id="{41635E24-1D81-43C6-A33F-0FC55214D91A}" type="datetimeFigureOut">
               <a:rPr lang="en-US" smtClean="0"/>
-              <a:t>3/5/2020</a:t>
+              <a:t>4/16/2023</a:t>
             </a:fld>
             <a:endParaRPr lang="en-US"/>
           </a:p>
@@ -1367,10 +1356,9 @@
           <a:lstStyle/>
           <a:p>
             <a:r>
-              <a:rPr lang="en-US" smtClean="0"/>
+              <a:rPr lang="en-US"/>
               <a:t>Click to edit Master title style</a:t>
             </a:r>
-            <a:endParaRPr lang="en-US"/>
           </a:p>
         </p:txBody>
       </p:sp>
@@ -1433,7 +1421,7 @@
           <a:p>
             <a:pPr lvl="0"/>
             <a:r>
-              <a:rPr lang="en-US" smtClean="0"/>
+              <a:rPr lang="en-US"/>
               <a:t>Click to edit Master text styles</a:t>
             </a:r>
           </a:p>
@@ -1461,38 +1449,37 @@
           <a:p>
             <a:pPr lvl="0"/>
             <a:r>
-              <a:rPr lang="en-US" smtClean="0"/>
+              <a:rPr lang="en-US"/>
               <a:t>Click to edit Master text styles</a:t>
             </a:r>
           </a:p>
           <a:p>
             <a:pPr lvl="1"/>
             <a:r>
-              <a:rPr lang="en-US" smtClean="0"/>
+              <a:rPr lang="en-US"/>
               <a:t>Second level</a:t>
             </a:r>
           </a:p>
           <a:p>
             <a:pPr lvl="2"/>
             <a:r>
-              <a:rPr lang="en-US" smtClean="0"/>
+              <a:rPr lang="en-US"/>
               <a:t>Third level</a:t>
             </a:r>
           </a:p>
           <a:p>
             <a:pPr lvl="3"/>
             <a:r>
-              <a:rPr lang="en-US" smtClean="0"/>
+              <a:rPr lang="en-US"/>
               <a:t>Fourth level</a:t>
             </a:r>
           </a:p>
           <a:p>
             <a:pPr lvl="4"/>
             <a:r>
-              <a:rPr lang="en-US" smtClean="0"/>
+              <a:rPr lang="en-US"/>
               <a:t>Fifth level</a:t>
             </a:r>
-            <a:endParaRPr lang="en-US"/>
           </a:p>
         </p:txBody>
       </p:sp>
@@ -1555,7 +1542,7 @@
           <a:p>
             <a:pPr lvl="0"/>
             <a:r>
-              <a:rPr lang="en-US" smtClean="0"/>
+              <a:rPr lang="en-US"/>
               <a:t>Click to edit Master text styles</a:t>
             </a:r>
           </a:p>
@@ -1583,38 +1570,37 @@
           <a:p>
             <a:pPr lvl="0"/>
             <a:r>
-              <a:rPr lang="en-US" smtClean="0"/>
+              <a:rPr lang="en-US"/>
               <a:t>Click to edit Master text styles</a:t>
             </a:r>
           </a:p>
           <a:p>
             <a:pPr lvl="1"/>
             <a:r>
-              <a:rPr lang="en-US" smtClean="0"/>
+              <a:rPr lang="en-US"/>
               <a:t>Second level</a:t>
             </a:r>
           </a:p>
           <a:p>
             <a:pPr lvl="2"/>
             <a:r>
-              <a:rPr lang="en-US" smtClean="0"/>
+              <a:rPr lang="en-US"/>
               <a:t>Third level</a:t>
             </a:r>
           </a:p>
           <a:p>
             <a:pPr lvl="3"/>
             <a:r>
-              <a:rPr lang="en-US" smtClean="0"/>
+              <a:rPr lang="en-US"/>
               <a:t>Fourth level</a:t>
             </a:r>
           </a:p>
           <a:p>
             <a:pPr lvl="4"/>
             <a:r>
-              <a:rPr lang="en-US" smtClean="0"/>
+              <a:rPr lang="en-US"/>
               <a:t>Fifth level</a:t>
             </a:r>
-            <a:endParaRPr lang="en-US"/>
           </a:p>
         </p:txBody>
       </p:sp>
@@ -1635,7 +1621,7 @@
           <a:p>
             <a:fld id="{41635E24-1D81-43C6-A33F-0FC55214D91A}" type="datetimeFigureOut">
               <a:rPr lang="en-US" smtClean="0"/>
-              <a:t>3/5/2020</a:t>
+              <a:t>4/16/2023</a:t>
             </a:fld>
             <a:endParaRPr lang="en-US"/>
           </a:p>
@@ -1729,10 +1715,9 @@
           <a:lstStyle/>
           <a:p>
             <a:r>
-              <a:rPr lang="en-US" smtClean="0"/>
+              <a:rPr lang="en-US"/>
               <a:t>Click to edit Master title style</a:t>
             </a:r>
-            <a:endParaRPr lang="en-US"/>
           </a:p>
         </p:txBody>
       </p:sp>
@@ -1753,7 +1738,7 @@
           <a:p>
             <a:fld id="{41635E24-1D81-43C6-A33F-0FC55214D91A}" type="datetimeFigureOut">
               <a:rPr lang="en-US" smtClean="0"/>
-              <a:t>3/5/2020</a:t>
+              <a:t>4/16/2023</a:t>
             </a:fld>
             <a:endParaRPr lang="en-US"/>
           </a:p>
@@ -1848,7 +1833,7 @@
           <a:p>
             <a:fld id="{41635E24-1D81-43C6-A33F-0FC55214D91A}" type="datetimeFigureOut">
               <a:rPr lang="en-US" smtClean="0"/>
-              <a:t>3/5/2020</a:t>
+              <a:t>4/16/2023</a:t>
             </a:fld>
             <a:endParaRPr lang="en-US"/>
           </a:p>
@@ -1951,10 +1936,9 @@
           </a:lstStyle>
           <a:p>
             <a:r>
-              <a:rPr lang="en-US" smtClean="0"/>
+              <a:rPr lang="en-US"/>
               <a:t>Click to edit Master title style</a:t>
             </a:r>
-            <a:endParaRPr lang="en-US"/>
           </a:p>
         </p:txBody>
       </p:sp>
@@ -2008,38 +1992,37 @@
           <a:p>
             <a:pPr lvl="0"/>
             <a:r>
-              <a:rPr lang="en-US" smtClean="0"/>
+              <a:rPr lang="en-US"/>
               <a:t>Click to edit Master text styles</a:t>
             </a:r>
           </a:p>
           <a:p>
             <a:pPr lvl="1"/>
             <a:r>
-              <a:rPr lang="en-US" smtClean="0"/>
+              <a:rPr lang="en-US"/>
               <a:t>Second level</a:t>
             </a:r>
           </a:p>
           <a:p>
             <a:pPr lvl="2"/>
             <a:r>
-              <a:rPr lang="en-US" smtClean="0"/>
+              <a:rPr lang="en-US"/>
               <a:t>Third level</a:t>
             </a:r>
           </a:p>
           <a:p>
             <a:pPr lvl="3"/>
             <a:r>
-              <a:rPr lang="en-US" smtClean="0"/>
+              <a:rPr lang="en-US"/>
               <a:t>Fourth level</a:t>
             </a:r>
           </a:p>
           <a:p>
             <a:pPr lvl="4"/>
             <a:r>
-              <a:rPr lang="en-US" smtClean="0"/>
+              <a:rPr lang="en-US"/>
               <a:t>Fifth level</a:t>
             </a:r>
-            <a:endParaRPr lang="en-US"/>
           </a:p>
         </p:txBody>
       </p:sp>
@@ -2102,7 +2085,7 @@
           <a:p>
             <a:pPr lvl="0"/>
             <a:r>
-              <a:rPr lang="en-US" smtClean="0"/>
+              <a:rPr lang="en-US"/>
               <a:t>Click to edit Master text styles</a:t>
             </a:r>
           </a:p>
@@ -2125,7 +2108,7 @@
           <a:p>
             <a:fld id="{41635E24-1D81-43C6-A33F-0FC55214D91A}" type="datetimeFigureOut">
               <a:rPr lang="en-US" smtClean="0"/>
-              <a:t>3/5/2020</a:t>
+              <a:t>4/16/2023</a:t>
             </a:fld>
             <a:endParaRPr lang="en-US"/>
           </a:p>
@@ -2228,10 +2211,9 @@
           </a:lstStyle>
           <a:p>
             <a:r>
-              <a:rPr lang="en-US" smtClean="0"/>
+              <a:rPr lang="en-US"/>
               <a:t>Click to edit Master title style</a:t>
             </a:r>
-            <a:endParaRPr lang="en-US"/>
           </a:p>
         </p:txBody>
       </p:sp>
@@ -2355,7 +2337,7 @@
           <a:p>
             <a:pPr lvl="0"/>
             <a:r>
-              <a:rPr lang="en-US" smtClean="0"/>
+              <a:rPr lang="en-US"/>
               <a:t>Click to edit Master text styles</a:t>
             </a:r>
           </a:p>
@@ -2378,7 +2360,7 @@
           <a:p>
             <a:fld id="{41635E24-1D81-43C6-A33F-0FC55214D91A}" type="datetimeFigureOut">
               <a:rPr lang="en-US" smtClean="0"/>
-              <a:t>3/5/2020</a:t>
+              <a:t>4/16/2023</a:t>
             </a:fld>
             <a:endParaRPr lang="en-US"/>
           </a:p>
@@ -2487,10 +2469,9 @@
           <a:lstStyle/>
           <a:p>
             <a:r>
-              <a:rPr lang="en-US" smtClean="0"/>
+              <a:rPr lang="en-US"/>
               <a:t>Click to edit Master title style</a:t>
             </a:r>
-            <a:endParaRPr lang="en-US"/>
           </a:p>
         </p:txBody>
       </p:sp>
@@ -2521,38 +2502,37 @@
           <a:p>
             <a:pPr lvl="0"/>
             <a:r>
-              <a:rPr lang="en-US" smtClean="0"/>
+              <a:rPr lang="en-US"/>
               <a:t>Click to edit Master text styles</a:t>
             </a:r>
           </a:p>
           <a:p>
             <a:pPr lvl="1"/>
             <a:r>
-              <a:rPr lang="en-US" smtClean="0"/>
+              <a:rPr lang="en-US"/>
               <a:t>Second level</a:t>
             </a:r>
           </a:p>
           <a:p>
             <a:pPr lvl="2"/>
             <a:r>
-              <a:rPr lang="en-US" smtClean="0"/>
+              <a:rPr lang="en-US"/>
               <a:t>Third level</a:t>
             </a:r>
           </a:p>
           <a:p>
             <a:pPr lvl="3"/>
             <a:r>
-              <a:rPr lang="en-US" smtClean="0"/>
+              <a:rPr lang="en-US"/>
               <a:t>Fourth level</a:t>
             </a:r>
           </a:p>
           <a:p>
             <a:pPr lvl="4"/>
             <a:r>
-              <a:rPr lang="en-US" smtClean="0"/>
+              <a:rPr lang="en-US"/>
               <a:t>Fifth level</a:t>
             </a:r>
-            <a:endParaRPr lang="en-US"/>
           </a:p>
         </p:txBody>
       </p:sp>
@@ -2591,7 +2571,7 @@
           <a:p>
             <a:fld id="{41635E24-1D81-43C6-A33F-0FC55214D91A}" type="datetimeFigureOut">
               <a:rPr lang="en-US" smtClean="0"/>
-              <a:t>3/5/2020</a:t>
+              <a:t>4/16/2023</a:t>
             </a:fld>
             <a:endParaRPr lang="en-US"/>
           </a:p>
@@ -3026,47 +3006,6 @@
           </a:prstGeom>
         </p:spPr>
       </p:pic>
-      <p:pic>
-        <p:nvPicPr>
-          <p:cNvPr id="2050" name="Picture 2" descr="Снимка на Pepi Petrova."/>
-          <p:cNvPicPr>
-            <a:picLocks noChangeAspect="1" noChangeArrowheads="1"/>
-          </p:cNvPicPr>
-          <p:nvPr/>
-        </p:nvPicPr>
-        <p:blipFill>
-          <a:blip r:embed="rId3">
-            <a:extLst>
-              <a:ext uri="{28A0092B-C50C-407E-A947-70E740481C1C}">
-                <a14:useLocalDpi xmlns:a14="http://schemas.microsoft.com/office/drawing/2010/main" val="0"/>
-              </a:ext>
-            </a:extLst>
-          </a:blip>
-          <a:srcRect/>
-          <a:stretch>
-            <a:fillRect/>
-          </a:stretch>
-        </p:blipFill>
-        <p:spPr bwMode="auto">
-          <a:xfrm>
-            <a:off x="670492" y="0"/>
-            <a:ext cx="10615730" cy="5971349"/>
-          </a:xfrm>
-          <a:prstGeom prst="rect">
-            <a:avLst/>
-          </a:prstGeom>
-          <a:noFill/>
-          <a:extLst>
-            <a:ext uri="{909E8E84-426E-40DD-AFC4-6F175D3DCCD1}">
-              <a14:hiddenFill xmlns:a14="http://schemas.microsoft.com/office/drawing/2010/main">
-                <a:solidFill>
-                  <a:srgbClr val="FFFFFF"/>
-                </a:solidFill>
-              </a14:hiddenFill>
-            </a:ext>
-          </a:extLst>
-        </p:spPr>
-      </p:pic>
       <p:sp>
         <p:nvSpPr>
           <p:cNvPr id="4" name="Rectangle 3"/>
@@ -3075,8 +3014,8 @@
         </p:nvSpPr>
         <p:spPr>
           <a:xfrm>
-            <a:off x="1786021" y="6060731"/>
-            <a:ext cx="8619958" cy="707886"/>
+            <a:off x="1945412" y="2528966"/>
+            <a:ext cx="8619958" cy="3170099"/>
           </a:xfrm>
           <a:prstGeom prst="rect">
             <a:avLst/>
@@ -3118,40 +3057,9 @@
                   </a:outerShdw>
                 </a:effectLst>
               </a:rPr>
-              <a:t>Innovation Camp 2017 by </a:t>
-            </a:r>
-            <a:r>
-              <a:rPr lang="en-US" sz="4000" b="1" dirty="0" err="1" smtClean="0">
-                <a:ln w="12700">
-                  <a:solidFill>
-                    <a:schemeClr val="tx2">
-                      <a:lumMod val="75000"/>
-                    </a:schemeClr>
-                  </a:solidFill>
-                  <a:prstDash val="solid"/>
-                </a:ln>
-                <a:pattFill prst="dkUpDiag">
-                  <a:fgClr>
-                    <a:schemeClr val="tx2"/>
-                  </a:fgClr>
-                  <a:bgClr>
-                    <a:schemeClr val="tx2">
-                      <a:lumMod val="20000"/>
-                      <a:lumOff val="80000"/>
-                    </a:schemeClr>
-                  </a:bgClr>
-                </a:pattFill>
-                <a:effectLst>
-                  <a:outerShdw dist="38100" dir="2640000" algn="bl" rotWithShape="0">
-                    <a:schemeClr val="tx2">
-                      <a:lumMod val="75000"/>
-                    </a:schemeClr>
-                  </a:outerShdw>
-                </a:effectLst>
-              </a:rPr>
-              <a:t>Expressbank</a:t>
-            </a:r>
-            <a:endParaRPr lang="en-US" sz="4000" b="1" cap="none" spc="0" dirty="0" smtClean="0">
+              <a:t>The Domain-Driven Design (DDD) is an approach to software development that focuses on the application domain, its concepts, and their relationships as primary drivers for architecture design.</a:t>
+            </a:r>
+            <a:endParaRPr lang="en-US" sz="4000" b="1" cap="none" spc="0" dirty="0">
               <a:ln w="12700">
                 <a:solidFill>
                   <a:schemeClr val="tx2">
@@ -3204,13 +3112,6 @@
       </p:transition>
     </mc:Fallback>
   </mc:AlternateContent>
-  <p:timing>
-    <p:tnLst>
-      <p:par>
-        <p:cTn id="1" dur="indefinite" restart="never" nodeType="tmRoot"/>
-      </p:par>
-    </p:tnLst>
-  </p:timing>
 </p:sld>
 </file>
 
@@ -3253,6 +3154,489 @@
         </p:blipFill>
         <p:spPr>
           <a:xfrm>
+            <a:off x="0" y="-16992"/>
+            <a:ext cx="12192000" cy="6858000"/>
+          </a:xfrm>
+          <a:prstGeom prst="rect">
+            <a:avLst/>
+          </a:prstGeom>
+        </p:spPr>
+      </p:pic>
+      <p:sp>
+        <p:nvSpPr>
+          <p:cNvPr id="7" name="Content Placeholder 2"/>
+          <p:cNvSpPr>
+            <a:spLocks noGrp="1"/>
+          </p:cNvSpPr>
+          <p:nvPr>
+            <p:ph idx="1"/>
+          </p:nvPr>
+        </p:nvSpPr>
+        <p:spPr>
+          <a:xfrm>
+            <a:off x="4150894" y="474334"/>
+            <a:ext cx="3781353" cy="772051"/>
+          </a:xfrm>
+        </p:spPr>
+        <p:txBody>
+          <a:bodyPr>
+            <a:noAutofit/>
+          </a:bodyPr>
+          <a:lstStyle/>
+          <a:p>
+            <a:pPr marL="0" indent="0" algn="just">
+              <a:buNone/>
+            </a:pPr>
+            <a:r>
+              <a:rPr lang="en-US" sz="4000" b="1" cap="none" spc="0" dirty="0">
+                <a:ln w="12700">
+                  <a:solidFill>
+                    <a:schemeClr val="tx2">
+                      <a:lumMod val="75000"/>
+                    </a:schemeClr>
+                  </a:solidFill>
+                  <a:prstDash val="solid"/>
+                </a:ln>
+                <a:pattFill prst="dkUpDiag">
+                  <a:fgClr>
+                    <a:schemeClr val="tx2"/>
+                  </a:fgClr>
+                  <a:bgClr>
+                    <a:schemeClr val="tx2">
+                      <a:lumMod val="20000"/>
+                      <a:lumOff val="80000"/>
+                    </a:schemeClr>
+                  </a:bgClr>
+                </a:pattFill>
+                <a:effectLst>
+                  <a:outerShdw dist="38100" dir="2640000" algn="bl" rotWithShape="0">
+                    <a:schemeClr val="tx2">
+                      <a:lumMod val="75000"/>
+                    </a:schemeClr>
+                  </a:outerShdw>
+                </a:effectLst>
+              </a:rPr>
+              <a:t>Event Sourcing</a:t>
+            </a:r>
+            <a:endParaRPr lang="en-US" sz="4000" dirty="0"/>
+          </a:p>
+        </p:txBody>
+      </p:sp>
+      <p:pic>
+        <p:nvPicPr>
+          <p:cNvPr id="2" name="Picture 1"/>
+          <p:cNvPicPr>
+            <a:picLocks noChangeAspect="1"/>
+          </p:cNvPicPr>
+          <p:nvPr/>
+        </p:nvPicPr>
+        <p:blipFill>
+          <a:blip r:embed="rId3"/>
+          <a:stretch>
+            <a:fillRect/>
+          </a:stretch>
+        </p:blipFill>
+        <p:spPr>
+          <a:xfrm>
+            <a:off x="2194968" y="3700756"/>
+            <a:ext cx="7375775" cy="1599914"/>
+          </a:xfrm>
+          <a:prstGeom prst="rect">
+            <a:avLst/>
+          </a:prstGeom>
+        </p:spPr>
+      </p:pic>
+      <p:sp>
+        <p:nvSpPr>
+          <p:cNvPr id="6" name="TextBox 2"/>
+          <p:cNvSpPr txBox="1"/>
+          <p:nvPr/>
+        </p:nvSpPr>
+        <p:spPr>
+          <a:xfrm>
+            <a:off x="1942193" y="1150007"/>
+            <a:ext cx="6565900" cy="1477328"/>
+          </a:xfrm>
+          <a:prstGeom prst="rect">
+            <a:avLst/>
+          </a:prstGeom>
+          <a:noFill/>
+        </p:spPr>
+        <p:txBody>
+          <a:bodyPr wrap="square" rtlCol="0">
+            <a:spAutoFit/>
+          </a:bodyPr>
+          <a:lstStyle>
+            <a:defPPr>
+              <a:defRPr lang="en-US"/>
+            </a:defPPr>
+            <a:lvl1pPr marL="0" algn="l" defTabSz="914400" rtl="0" eaLnBrk="1" latinLnBrk="0" hangingPunct="1">
+              <a:defRPr sz="1800" kern="1200">
+                <a:solidFill>
+                  <a:schemeClr val="tx1"/>
+                </a:solidFill>
+                <a:latin typeface="+mn-lt"/>
+                <a:ea typeface="+mn-ea"/>
+                <a:cs typeface="+mn-cs"/>
+              </a:defRPr>
+            </a:lvl1pPr>
+            <a:lvl2pPr marL="457200" algn="l" defTabSz="914400" rtl="0" eaLnBrk="1" latinLnBrk="0" hangingPunct="1">
+              <a:defRPr sz="1800" kern="1200">
+                <a:solidFill>
+                  <a:schemeClr val="tx1"/>
+                </a:solidFill>
+                <a:latin typeface="+mn-lt"/>
+                <a:ea typeface="+mn-ea"/>
+                <a:cs typeface="+mn-cs"/>
+              </a:defRPr>
+            </a:lvl2pPr>
+            <a:lvl3pPr marL="914400" algn="l" defTabSz="914400" rtl="0" eaLnBrk="1" latinLnBrk="0" hangingPunct="1">
+              <a:defRPr sz="1800" kern="1200">
+                <a:solidFill>
+                  <a:schemeClr val="tx1"/>
+                </a:solidFill>
+                <a:latin typeface="+mn-lt"/>
+                <a:ea typeface="+mn-ea"/>
+                <a:cs typeface="+mn-cs"/>
+              </a:defRPr>
+            </a:lvl3pPr>
+            <a:lvl4pPr marL="1371600" algn="l" defTabSz="914400" rtl="0" eaLnBrk="1" latinLnBrk="0" hangingPunct="1">
+              <a:defRPr sz="1800" kern="1200">
+                <a:solidFill>
+                  <a:schemeClr val="tx1"/>
+                </a:solidFill>
+                <a:latin typeface="+mn-lt"/>
+                <a:ea typeface="+mn-ea"/>
+                <a:cs typeface="+mn-cs"/>
+              </a:defRPr>
+            </a:lvl4pPr>
+            <a:lvl5pPr marL="1828800" algn="l" defTabSz="914400" rtl="0" eaLnBrk="1" latinLnBrk="0" hangingPunct="1">
+              <a:defRPr sz="1800" kern="1200">
+                <a:solidFill>
+                  <a:schemeClr val="tx1"/>
+                </a:solidFill>
+                <a:latin typeface="+mn-lt"/>
+                <a:ea typeface="+mn-ea"/>
+                <a:cs typeface="+mn-cs"/>
+              </a:defRPr>
+            </a:lvl5pPr>
+            <a:lvl6pPr marL="2286000" algn="l" defTabSz="914400" rtl="0" eaLnBrk="1" latinLnBrk="0" hangingPunct="1">
+              <a:defRPr sz="1800" kern="1200">
+                <a:solidFill>
+                  <a:schemeClr val="tx1"/>
+                </a:solidFill>
+                <a:latin typeface="+mn-lt"/>
+                <a:ea typeface="+mn-ea"/>
+                <a:cs typeface="+mn-cs"/>
+              </a:defRPr>
+            </a:lvl6pPr>
+            <a:lvl7pPr marL="2743200" algn="l" defTabSz="914400" rtl="0" eaLnBrk="1" latinLnBrk="0" hangingPunct="1">
+              <a:defRPr sz="1800" kern="1200">
+                <a:solidFill>
+                  <a:schemeClr val="tx1"/>
+                </a:solidFill>
+                <a:latin typeface="+mn-lt"/>
+                <a:ea typeface="+mn-ea"/>
+                <a:cs typeface="+mn-cs"/>
+              </a:defRPr>
+            </a:lvl7pPr>
+            <a:lvl8pPr marL="3200400" algn="l" defTabSz="914400" rtl="0" eaLnBrk="1" latinLnBrk="0" hangingPunct="1">
+              <a:defRPr sz="1800" kern="1200">
+                <a:solidFill>
+                  <a:schemeClr val="tx1"/>
+                </a:solidFill>
+                <a:latin typeface="+mn-lt"/>
+                <a:ea typeface="+mn-ea"/>
+                <a:cs typeface="+mn-cs"/>
+              </a:defRPr>
+            </a:lvl8pPr>
+            <a:lvl9pPr marL="3657600" algn="l" defTabSz="914400" rtl="0" eaLnBrk="1" latinLnBrk="0" hangingPunct="1">
+              <a:defRPr sz="1800" kern="1200">
+                <a:solidFill>
+                  <a:schemeClr val="tx1"/>
+                </a:solidFill>
+                <a:latin typeface="+mn-lt"/>
+                <a:ea typeface="+mn-ea"/>
+                <a:cs typeface="+mn-cs"/>
+              </a:defRPr>
+            </a:lvl9pPr>
+          </a:lstStyle>
+          <a:p>
+            <a:pPr marL="342900" indent="-342900">
+              <a:buAutoNum type="arabicPeriod"/>
+            </a:pPr>
+            <a:r>
+              <a:rPr lang="en-US" dirty="0"/>
+              <a:t>Implementing an event-driven architecture and makes it possible to reliably publish events</a:t>
+            </a:r>
+          </a:p>
+          <a:p>
+            <a:pPr marL="342900" indent="-342900">
+              <a:buAutoNum type="arabicPeriod"/>
+            </a:pPr>
+            <a:r>
+              <a:rPr lang="en-US" dirty="0"/>
+              <a:t>Provides a 100% reliable audit log of the changes made to a business entity (</a:t>
+            </a:r>
+            <a:r>
+              <a:rPr lang="en-US" b="1" dirty="0"/>
+              <a:t>Very</a:t>
+            </a:r>
+            <a:r>
+              <a:rPr lang="en-US" dirty="0"/>
+              <a:t> </a:t>
+            </a:r>
+            <a:r>
+              <a:rPr lang="en-US" b="1" dirty="0"/>
+              <a:t>useful</a:t>
+            </a:r>
+            <a:r>
+              <a:rPr lang="en-US" dirty="0"/>
+              <a:t> for reports)</a:t>
+            </a:r>
+          </a:p>
+          <a:p>
+            <a:pPr marL="342900" indent="-342900">
+              <a:buAutoNum type="arabicPeriod"/>
+            </a:pPr>
+            <a:r>
+              <a:rPr lang="en-US" dirty="0"/>
+              <a:t>Implementation via </a:t>
+            </a:r>
+          </a:p>
+        </p:txBody>
+      </p:sp>
+      <p:pic>
+        <p:nvPicPr>
+          <p:cNvPr id="8" name="Picture 7" descr="Резултат с изображение за marten dot net"/>
+          <p:cNvPicPr>
+            <a:picLocks noChangeAspect="1" noChangeArrowheads="1"/>
+          </p:cNvPicPr>
+          <p:nvPr/>
+        </p:nvPicPr>
+        <p:blipFill>
+          <a:blip r:embed="rId4" cstate="print">
+            <a:extLst>
+              <a:ext uri="{28A0092B-C50C-407E-A947-70E740481C1C}">
+                <a14:useLocalDpi xmlns:a14="http://schemas.microsoft.com/office/drawing/2010/main" val="0"/>
+              </a:ext>
+            </a:extLst>
+          </a:blip>
+          <a:srcRect/>
+          <a:stretch>
+            <a:fillRect/>
+          </a:stretch>
+        </p:blipFill>
+        <p:spPr bwMode="auto">
+          <a:xfrm>
+            <a:off x="4150894" y="2307183"/>
+            <a:ext cx="3463925" cy="1164696"/>
+          </a:xfrm>
+          <a:prstGeom prst="rect">
+            <a:avLst/>
+          </a:prstGeom>
+          <a:noFill/>
+          <a:extLst>
+            <a:ext uri="{909E8E84-426E-40DD-AFC4-6F175D3DCCD1}">
+              <a14:hiddenFill xmlns:a14="http://schemas.microsoft.com/office/drawing/2010/main">
+                <a:solidFill>
+                  <a:srgbClr val="FFFFFF"/>
+                </a:solidFill>
+              </a14:hiddenFill>
+            </a:ext>
+          </a:extLst>
+        </p:spPr>
+      </p:pic>
+      <p:sp>
+        <p:nvSpPr>
+          <p:cNvPr id="9" name="TextBox 4"/>
+          <p:cNvSpPr txBox="1"/>
+          <p:nvPr/>
+        </p:nvSpPr>
+        <p:spPr>
+          <a:xfrm>
+            <a:off x="5235157" y="3254328"/>
+            <a:ext cx="7670800" cy="646331"/>
+          </a:xfrm>
+          <a:prstGeom prst="rect">
+            <a:avLst/>
+          </a:prstGeom>
+          <a:noFill/>
+        </p:spPr>
+        <p:txBody>
+          <a:bodyPr wrap="square" rtlCol="0">
+            <a:spAutoFit/>
+          </a:bodyPr>
+          <a:lstStyle>
+            <a:defPPr>
+              <a:defRPr lang="en-US"/>
+            </a:defPPr>
+            <a:lvl1pPr marL="0" algn="l" defTabSz="914400" rtl="0" eaLnBrk="1" latinLnBrk="0" hangingPunct="1">
+              <a:defRPr sz="1800" kern="1200">
+                <a:solidFill>
+                  <a:schemeClr val="tx1"/>
+                </a:solidFill>
+                <a:latin typeface="+mn-lt"/>
+                <a:ea typeface="+mn-ea"/>
+                <a:cs typeface="+mn-cs"/>
+              </a:defRPr>
+            </a:lvl1pPr>
+            <a:lvl2pPr marL="457200" algn="l" defTabSz="914400" rtl="0" eaLnBrk="1" latinLnBrk="0" hangingPunct="1">
+              <a:defRPr sz="1800" kern="1200">
+                <a:solidFill>
+                  <a:schemeClr val="tx1"/>
+                </a:solidFill>
+                <a:latin typeface="+mn-lt"/>
+                <a:ea typeface="+mn-ea"/>
+                <a:cs typeface="+mn-cs"/>
+              </a:defRPr>
+            </a:lvl2pPr>
+            <a:lvl3pPr marL="914400" algn="l" defTabSz="914400" rtl="0" eaLnBrk="1" latinLnBrk="0" hangingPunct="1">
+              <a:defRPr sz="1800" kern="1200">
+                <a:solidFill>
+                  <a:schemeClr val="tx1"/>
+                </a:solidFill>
+                <a:latin typeface="+mn-lt"/>
+                <a:ea typeface="+mn-ea"/>
+                <a:cs typeface="+mn-cs"/>
+              </a:defRPr>
+            </a:lvl3pPr>
+            <a:lvl4pPr marL="1371600" algn="l" defTabSz="914400" rtl="0" eaLnBrk="1" latinLnBrk="0" hangingPunct="1">
+              <a:defRPr sz="1800" kern="1200">
+                <a:solidFill>
+                  <a:schemeClr val="tx1"/>
+                </a:solidFill>
+                <a:latin typeface="+mn-lt"/>
+                <a:ea typeface="+mn-ea"/>
+                <a:cs typeface="+mn-cs"/>
+              </a:defRPr>
+            </a:lvl4pPr>
+            <a:lvl5pPr marL="1828800" algn="l" defTabSz="914400" rtl="0" eaLnBrk="1" latinLnBrk="0" hangingPunct="1">
+              <a:defRPr sz="1800" kern="1200">
+                <a:solidFill>
+                  <a:schemeClr val="tx1"/>
+                </a:solidFill>
+                <a:latin typeface="+mn-lt"/>
+                <a:ea typeface="+mn-ea"/>
+                <a:cs typeface="+mn-cs"/>
+              </a:defRPr>
+            </a:lvl5pPr>
+            <a:lvl6pPr marL="2286000" algn="l" defTabSz="914400" rtl="0" eaLnBrk="1" latinLnBrk="0" hangingPunct="1">
+              <a:defRPr sz="1800" kern="1200">
+                <a:solidFill>
+                  <a:schemeClr val="tx1"/>
+                </a:solidFill>
+                <a:latin typeface="+mn-lt"/>
+                <a:ea typeface="+mn-ea"/>
+                <a:cs typeface="+mn-cs"/>
+              </a:defRPr>
+            </a:lvl6pPr>
+            <a:lvl7pPr marL="2743200" algn="l" defTabSz="914400" rtl="0" eaLnBrk="1" latinLnBrk="0" hangingPunct="1">
+              <a:defRPr sz="1800" kern="1200">
+                <a:solidFill>
+                  <a:schemeClr val="tx1"/>
+                </a:solidFill>
+                <a:latin typeface="+mn-lt"/>
+                <a:ea typeface="+mn-ea"/>
+                <a:cs typeface="+mn-cs"/>
+              </a:defRPr>
+            </a:lvl7pPr>
+            <a:lvl8pPr marL="3200400" algn="l" defTabSz="914400" rtl="0" eaLnBrk="1" latinLnBrk="0" hangingPunct="1">
+              <a:defRPr sz="1800" kern="1200">
+                <a:solidFill>
+                  <a:schemeClr val="tx1"/>
+                </a:solidFill>
+                <a:latin typeface="+mn-lt"/>
+                <a:ea typeface="+mn-ea"/>
+                <a:cs typeface="+mn-cs"/>
+              </a:defRPr>
+            </a:lvl8pPr>
+            <a:lvl9pPr marL="3657600" algn="l" defTabSz="914400" rtl="0" eaLnBrk="1" latinLnBrk="0" hangingPunct="1">
+              <a:defRPr sz="1800" kern="1200">
+                <a:solidFill>
+                  <a:schemeClr val="tx1"/>
+                </a:solidFill>
+                <a:latin typeface="+mn-lt"/>
+                <a:ea typeface="+mn-ea"/>
+                <a:cs typeface="+mn-cs"/>
+              </a:defRPr>
+            </a:lvl9pPr>
+          </a:lstStyle>
+          <a:p>
+            <a:r>
+              <a:rPr lang="en-US" dirty="0"/>
+              <a:t>Polyglot Persistence using PostgreSQL Database</a:t>
+            </a:r>
+          </a:p>
+          <a:p>
+            <a:endParaRPr lang="en-US" dirty="0"/>
+          </a:p>
+        </p:txBody>
+      </p:sp>
+    </p:spTree>
+    <p:extLst>
+      <p:ext uri="{BB962C8B-B14F-4D97-AF65-F5344CB8AC3E}">
+        <p14:creationId xmlns:p14="http://schemas.microsoft.com/office/powerpoint/2010/main" val="3955637945"/>
+      </p:ext>
+    </p:extLst>
+  </p:cSld>
+  <p:clrMapOvr>
+    <a:masterClrMapping/>
+  </p:clrMapOvr>
+  <mc:AlternateContent xmlns:mc="http://schemas.openxmlformats.org/markup-compatibility/2006" xmlns:p14="http://schemas.microsoft.com/office/powerpoint/2010/main">
+    <mc:Choice Requires="p14">
+      <p:transition spd="slow" p14:dur="800">
+        <p:circle/>
+      </p:transition>
+    </mc:Choice>
+    <mc:Fallback xmlns="">
+      <p:transition spd="slow">
+        <p:circle/>
+      </p:transition>
+    </mc:Fallback>
+  </mc:AlternateContent>
+</p:sld>
+</file>
+
+<file path=ppt/slides/slide11.xml><?xml version="1.0" encoding="utf-8"?>
+<p:sld xmlns:a="http://schemas.openxmlformats.org/drawingml/2006/main" xmlns:r="http://schemas.openxmlformats.org/officeDocument/2006/relationships" xmlns:p="http://schemas.openxmlformats.org/presentationml/2006/main">
+  <p:cSld>
+    <p:spTree>
+      <p:nvGrpSpPr>
+        <p:cNvPr id="1" name=""/>
+        <p:cNvGrpSpPr/>
+        <p:nvPr/>
+      </p:nvGrpSpPr>
+      <p:grpSpPr>
+        <a:xfrm>
+          <a:off x="0" y="0"/>
+          <a:ext cx="0" cy="0"/>
+          <a:chOff x="0" y="0"/>
+          <a:chExt cx="0" cy="0"/>
+        </a:xfrm>
+      </p:grpSpPr>
+      <p:pic>
+        <p:nvPicPr>
+          <p:cNvPr id="5" name="Picture 4"/>
+          <p:cNvPicPr>
+            <a:picLocks noChangeAspect="1"/>
+          </p:cNvPicPr>
+          <p:nvPr/>
+        </p:nvPicPr>
+        <p:blipFill>
+          <a:blip r:embed="rId2">
+            <a:extLst>
+              <a:ext uri="{28A0092B-C50C-407E-A947-70E740481C1C}">
+                <a14:useLocalDpi xmlns:a14="http://schemas.microsoft.com/office/drawing/2010/main" val="0"/>
+              </a:ext>
+            </a:extLst>
+          </a:blip>
+          <a:stretch>
+            <a:fillRect/>
+          </a:stretch>
+        </p:blipFill>
+        <p:spPr>
+          <a:xfrm>
             <a:off x="0" y="0"/>
             <a:ext cx="12192000" cy="6858000"/>
           </a:xfrm>
@@ -3347,17 +3731,10 @@
       </p:transition>
     </mc:Fallback>
   </mc:AlternateContent>
-  <p:timing>
-    <p:tnLst>
-      <p:par>
-        <p:cTn id="1" dur="indefinite" restart="never" nodeType="tmRoot"/>
-      </p:par>
-    </p:tnLst>
-  </p:timing>
 </p:sld>
 </file>
 
-<file path=ppt/slides/slide11.xml><?xml version="1.0" encoding="utf-8"?>
+<file path=ppt/slides/slide12.xml><?xml version="1.0" encoding="utf-8"?>
 <p:sld xmlns:a="http://schemas.openxmlformats.org/drawingml/2006/main" xmlns:r="http://schemas.openxmlformats.org/officeDocument/2006/relationships" xmlns:p="http://schemas.openxmlformats.org/presentationml/2006/main">
   <p:cSld>
     <p:spTree>
@@ -3427,7 +3804,7 @@
           <a:p>
             <a:pPr algn="ctr"/>
             <a:r>
-              <a:rPr lang="en-US" sz="4000" b="1" cap="none" spc="0" dirty="0" smtClean="0">
+              <a:rPr lang="en-US" sz="4000" b="1" cap="none" spc="0" dirty="0">
                 <a:ln w="12700">
                   <a:solidFill>
                     <a:schemeClr val="tx2">
@@ -3617,7 +3994,7 @@
           </a:lstStyle>
           <a:p>
             <a:r>
-              <a:rPr lang="en-US" sz="4400" dirty="0" smtClean="0">
+              <a:rPr lang="en-US" sz="4400" dirty="0">
                 <a:solidFill>
                   <a:srgbClr val="000000"/>
                 </a:solidFill>
@@ -3632,7 +4009,7 @@
               <a:buChar char="•"/>
             </a:pPr>
             <a:r>
-              <a:rPr lang="en-US" sz="2000" dirty="0" smtClean="0">
+              <a:rPr lang="en-US" sz="2000" dirty="0">
                 <a:solidFill>
                   <a:srgbClr val="000000"/>
                 </a:solidFill>
@@ -3791,18 +4168,13 @@
               <a:buChar char="•"/>
             </a:pPr>
             <a:r>
-              <a:rPr lang="en-US" sz="2000" dirty="0" smtClean="0">
+              <a:rPr lang="en-US" sz="2000" dirty="0">
                 <a:solidFill>
                   <a:srgbClr val="000000"/>
                 </a:solidFill>
               </a:rPr>
               <a:t>Expressiveness</a:t>
             </a:r>
-            <a:endParaRPr lang="en-US" sz="2000" dirty="0">
-              <a:solidFill>
-                <a:srgbClr val="000000"/>
-              </a:solidFill>
-            </a:endParaRPr>
           </a:p>
         </p:txBody>
       </p:sp>
@@ -3938,18 +4310,13 @@
               <a:buChar char="•"/>
             </a:pPr>
             <a:r>
-              <a:rPr lang="en-US" sz="2000" dirty="0" smtClean="0">
+              <a:rPr lang="en-US" sz="2000" dirty="0">
                 <a:solidFill>
                   <a:srgbClr val="000000"/>
                 </a:solidFill>
               </a:rPr>
               <a:t>Ubiquitous language</a:t>
             </a:r>
-            <a:endParaRPr lang="en-US" sz="2000" dirty="0">
-              <a:solidFill>
-                <a:srgbClr val="000000"/>
-              </a:solidFill>
-            </a:endParaRPr>
           </a:p>
         </p:txBody>
       </p:sp>
@@ -3975,17 +4342,10 @@
       </p:transition>
     </mc:Fallback>
   </mc:AlternateContent>
-  <p:timing>
-    <p:tnLst>
-      <p:par>
-        <p:cTn id="1" dur="indefinite" restart="never" nodeType="tmRoot"/>
-      </p:par>
-    </p:tnLst>
-  </p:timing>
 </p:sld>
 </file>
 
-<file path=ppt/slides/slide12.xml><?xml version="1.0" encoding="utf-8"?>
+<file path=ppt/slides/slide13.xml><?xml version="1.0" encoding="utf-8"?>
 <p:sld xmlns:a="http://schemas.openxmlformats.org/drawingml/2006/main" xmlns:r="http://schemas.openxmlformats.org/officeDocument/2006/relationships" xmlns:p="http://schemas.openxmlformats.org/presentationml/2006/main">
   <p:cSld>
     <p:spTree>
@@ -4085,7 +4445,7 @@
               </a:rPr>
               <a:t>Thin Controllers</a:t>
             </a:r>
-            <a:endParaRPr lang="en-US" sz="4000" b="1" cap="none" spc="0" dirty="0" smtClean="0">
+            <a:endParaRPr lang="en-US" sz="4000" b="1" cap="none" spc="0" dirty="0">
               <a:ln w="12700">
                 <a:solidFill>
                   <a:schemeClr val="tx2">
@@ -4202,257 +4562,6 @@
       </p:transition>
     </mc:Fallback>
   </mc:AlternateContent>
-  <p:timing>
-    <p:tnLst>
-      <p:par>
-        <p:cTn id="1" dur="indefinite" restart="never" nodeType="tmRoot"/>
-      </p:par>
-    </p:tnLst>
-  </p:timing>
-</p:sld>
-</file>
-
-<file path=ppt/slides/slide13.xml><?xml version="1.0" encoding="utf-8"?>
-<p:sld xmlns:a="http://schemas.openxmlformats.org/drawingml/2006/main" xmlns:r="http://schemas.openxmlformats.org/officeDocument/2006/relationships" xmlns:p="http://schemas.openxmlformats.org/presentationml/2006/main">
-  <p:cSld>
-    <p:spTree>
-      <p:nvGrpSpPr>
-        <p:cNvPr id="1" name=""/>
-        <p:cNvGrpSpPr/>
-        <p:nvPr/>
-      </p:nvGrpSpPr>
-      <p:grpSpPr>
-        <a:xfrm>
-          <a:off x="0" y="0"/>
-          <a:ext cx="0" cy="0"/>
-          <a:chOff x="0" y="0"/>
-          <a:chExt cx="0" cy="0"/>
-        </a:xfrm>
-      </p:grpSpPr>
-      <p:pic>
-        <p:nvPicPr>
-          <p:cNvPr id="5" name="Picture 4"/>
-          <p:cNvPicPr>
-            <a:picLocks noChangeAspect="1"/>
-          </p:cNvPicPr>
-          <p:nvPr/>
-        </p:nvPicPr>
-        <p:blipFill>
-          <a:blip r:embed="rId2">
-            <a:extLst>
-              <a:ext uri="{28A0092B-C50C-407E-A947-70E740481C1C}">
-                <a14:useLocalDpi xmlns:a14="http://schemas.microsoft.com/office/drawing/2010/main" val="0"/>
-              </a:ext>
-            </a:extLst>
-          </a:blip>
-          <a:stretch>
-            <a:fillRect/>
-          </a:stretch>
-        </p:blipFill>
-        <p:spPr>
-          <a:xfrm>
-            <a:off x="-54429" y="0"/>
-            <a:ext cx="12192000" cy="6858000"/>
-          </a:xfrm>
-          <a:prstGeom prst="rect">
-            <a:avLst/>
-          </a:prstGeom>
-        </p:spPr>
-      </p:pic>
-      <p:sp>
-        <p:nvSpPr>
-          <p:cNvPr id="4" name="Content Placeholder 2"/>
-          <p:cNvSpPr>
-            <a:spLocks noGrp="1"/>
-          </p:cNvSpPr>
-          <p:nvPr>
-            <p:ph idx="1"/>
-          </p:nvPr>
-        </p:nvSpPr>
-        <p:spPr>
-          <a:xfrm>
-            <a:off x="805544" y="376363"/>
-            <a:ext cx="10042071" cy="772051"/>
-          </a:xfrm>
-        </p:spPr>
-        <p:txBody>
-          <a:bodyPr>
-            <a:noAutofit/>
-          </a:bodyPr>
-          <a:lstStyle/>
-          <a:p>
-            <a:pPr marL="0" indent="0" algn="just">
-              <a:buNone/>
-            </a:pPr>
-            <a:r>
-              <a:rPr lang="en-US" sz="4000" b="1" dirty="0">
-                <a:ln w="12700">
-                  <a:solidFill>
-                    <a:schemeClr val="tx2">
-                      <a:lumMod val="75000"/>
-                    </a:schemeClr>
-                  </a:solidFill>
-                  <a:prstDash val="solid"/>
-                </a:ln>
-                <a:pattFill prst="dkUpDiag">
-                  <a:fgClr>
-                    <a:schemeClr val="tx2"/>
-                  </a:fgClr>
-                  <a:bgClr>
-                    <a:schemeClr val="tx2">
-                      <a:lumMod val="20000"/>
-                      <a:lumOff val="80000"/>
-                    </a:schemeClr>
-                  </a:bgClr>
-                </a:pattFill>
-                <a:effectLst>
-                  <a:outerShdw dist="38100" dir="2640000" algn="bl" rotWithShape="0">
-                    <a:schemeClr val="tx2">
-                      <a:lumMod val="75000"/>
-                    </a:schemeClr>
-                  </a:outerShdw>
-                </a:effectLst>
-              </a:rPr>
-              <a:t>Hypermedia as the Engine of Application State</a:t>
-            </a:r>
-            <a:endParaRPr lang="en-US" sz="4000" dirty="0"/>
-          </a:p>
-        </p:txBody>
-      </p:sp>
-      <p:sp>
-        <p:nvSpPr>
-          <p:cNvPr id="2" name="Rectangle 1"/>
-          <p:cNvSpPr/>
-          <p:nvPr/>
-        </p:nvSpPr>
-        <p:spPr>
-          <a:xfrm>
-            <a:off x="869544" y="1148414"/>
-            <a:ext cx="9140729" cy="646331"/>
-          </a:xfrm>
-          <a:prstGeom prst="rect">
-            <a:avLst/>
-          </a:prstGeom>
-        </p:spPr>
-        <p:txBody>
-          <a:bodyPr wrap="square">
-            <a:spAutoFit/>
-          </a:bodyPr>
-          <a:lstStyle/>
-          <a:p>
-            <a:pPr algn="just"/>
-            <a:r>
-              <a:rPr lang="en-US" dirty="0" smtClean="0"/>
-              <a:t>Provides</a:t>
-            </a:r>
-            <a:r>
-              <a:rPr lang="bg-BG" dirty="0" smtClean="0"/>
-              <a:t> </a:t>
-            </a:r>
-            <a:r>
-              <a:rPr lang="en-US" dirty="0" smtClean="0"/>
-              <a:t>hypermedia </a:t>
-            </a:r>
-            <a:r>
-              <a:rPr lang="en-US" dirty="0"/>
-              <a:t>links in the response contents </a:t>
-            </a:r>
-            <a:r>
-              <a:rPr lang="en-US" dirty="0" smtClean="0"/>
-              <a:t>so </a:t>
-            </a:r>
-            <a:r>
-              <a:rPr lang="en-US" dirty="0"/>
-              <a:t>that the client can dynamically navigate to the </a:t>
-            </a:r>
-            <a:r>
-              <a:rPr lang="en-US" dirty="0" smtClean="0"/>
-              <a:t>appropriate </a:t>
-            </a:r>
-            <a:r>
-              <a:rPr lang="en-US" dirty="0"/>
-              <a:t>resource by traversing the hypermedia links. </a:t>
-            </a:r>
-          </a:p>
-        </p:txBody>
-      </p:sp>
-      <p:pic>
-        <p:nvPicPr>
-          <p:cNvPr id="3" name="Picture 2"/>
-          <p:cNvPicPr>
-            <a:picLocks noChangeAspect="1"/>
-          </p:cNvPicPr>
-          <p:nvPr/>
-        </p:nvPicPr>
-        <p:blipFill>
-          <a:blip r:embed="rId3"/>
-          <a:stretch>
-            <a:fillRect/>
-          </a:stretch>
-        </p:blipFill>
-        <p:spPr>
-          <a:xfrm>
-            <a:off x="482851" y="2154354"/>
-            <a:ext cx="8124825" cy="1752600"/>
-          </a:xfrm>
-          <a:prstGeom prst="rect">
-            <a:avLst/>
-          </a:prstGeom>
-        </p:spPr>
-      </p:pic>
-      <p:pic>
-        <p:nvPicPr>
-          <p:cNvPr id="6" name="Picture 5"/>
-          <p:cNvPicPr>
-            <a:picLocks noChangeAspect="1"/>
-          </p:cNvPicPr>
-          <p:nvPr/>
-        </p:nvPicPr>
-        <p:blipFill>
-          <a:blip r:embed="rId4"/>
-          <a:stretch>
-            <a:fillRect/>
-          </a:stretch>
-        </p:blipFill>
-        <p:spPr>
-          <a:xfrm>
-            <a:off x="6587038" y="2154354"/>
-            <a:ext cx="4600575" cy="4448175"/>
-          </a:xfrm>
-          <a:prstGeom prst="rect">
-            <a:avLst/>
-          </a:prstGeom>
-        </p:spPr>
-      </p:pic>
-    </p:spTree>
-    <p:extLst>
-      <p:ext uri="{BB962C8B-B14F-4D97-AF65-F5344CB8AC3E}">
-        <p14:creationId xmlns:p14="http://schemas.microsoft.com/office/powerpoint/2010/main" val="1744031093"/>
-      </p:ext>
-    </p:extLst>
-  </p:cSld>
-  <p:clrMapOvr>
-    <a:masterClrMapping/>
-  </p:clrMapOvr>
-  <mc:AlternateContent xmlns:mc="http://schemas.openxmlformats.org/markup-compatibility/2006" xmlns:p14="http://schemas.microsoft.com/office/powerpoint/2010/main">
-    <mc:Choice Requires="p14">
-      <p:transition spd="slow" p14:dur="800">
-        <p:circle/>
-      </p:transition>
-    </mc:Choice>
-    <mc:Fallback xmlns="">
-      <p:transition spd="slow">
-        <p:circle/>
-      </p:transition>
-    </mc:Fallback>
-  </mc:AlternateContent>
-  <p:timing>
-    <p:tnLst>
-      <p:par>
-        <p:cTn id="1" dur="indefinite" restart="never" nodeType="tmRoot"/>
-      </p:par>
-    </p:tnLst>
-  </p:timing>
 </p:sld>
 </file>
 
@@ -4495,7 +4604,7 @@
         </p:blipFill>
         <p:spPr>
           <a:xfrm>
-            <a:off x="0" y="0"/>
+            <a:off x="-54429" y="0"/>
             <a:ext cx="12192000" cy="6858000"/>
           </a:xfrm>
           <a:prstGeom prst="rect">
@@ -4515,7 +4624,7 @@
         </p:nvSpPr>
         <p:spPr>
           <a:xfrm>
-            <a:off x="1074964" y="554218"/>
+            <a:off x="805544" y="376363"/>
             <a:ext cx="10042071" cy="772051"/>
           </a:xfrm>
         </p:spPr>
@@ -4525,11 +4634,11 @@
           </a:bodyPr>
           <a:lstStyle/>
           <a:p>
-            <a:pPr marL="0" indent="0" algn="ctr">
+            <a:pPr marL="0" indent="0" algn="just">
               <a:buNone/>
             </a:pPr>
             <a:r>
-              <a:rPr lang="sv-SE" sz="4000" b="1" dirty="0" smtClean="0">
+              <a:rPr lang="en-US" sz="4000" b="1" dirty="0">
                 <a:ln w="12700">
                   <a:solidFill>
                     <a:schemeClr val="tx2">
@@ -4557,36 +4666,91 @@
                   </a:outerShdw>
                 </a:effectLst>
               </a:rPr>
-              <a:t>Stylecop &amp; Swagger UI </a:t>
+              <a:t>Hypermedia as the Engine of Application State</a:t>
             </a:r>
             <a:endParaRPr lang="en-US" sz="4000" dirty="0"/>
+          </a:p>
+        </p:txBody>
+      </p:sp>
+      <p:sp>
+        <p:nvSpPr>
+          <p:cNvPr id="2" name="Rectangle 1"/>
+          <p:cNvSpPr/>
+          <p:nvPr/>
+        </p:nvSpPr>
+        <p:spPr>
+          <a:xfrm>
+            <a:off x="869544" y="1148414"/>
+            <a:ext cx="9140729" cy="646331"/>
+          </a:xfrm>
+          <a:prstGeom prst="rect">
+            <a:avLst/>
+          </a:prstGeom>
+        </p:spPr>
+        <p:txBody>
+          <a:bodyPr wrap="square">
+            <a:spAutoFit/>
+          </a:bodyPr>
+          <a:lstStyle/>
+          <a:p>
+            <a:pPr algn="just"/>
+            <a:r>
+              <a:rPr lang="en-US" dirty="0"/>
+              <a:t>Provides</a:t>
+            </a:r>
+            <a:r>
+              <a:rPr lang="bg-BG" dirty="0"/>
+              <a:t> </a:t>
+            </a:r>
+            <a:r>
+              <a:rPr lang="en-US" dirty="0"/>
+              <a:t>hypermedia links in the response contents so that the client can dynamically navigate to the appropriate resource by traversing the hypermedia links. </a:t>
+            </a:r>
           </a:p>
         </p:txBody>
       </p:sp>
       <p:pic>
         <p:nvPicPr>
-          <p:cNvPr id="2" name="Picture 1"/>
+          <p:cNvPr id="3" name="Picture 2"/>
           <p:cNvPicPr>
             <a:picLocks noChangeAspect="1"/>
           </p:cNvPicPr>
           <p:nvPr/>
         </p:nvPicPr>
         <p:blipFill>
-          <a:blip r:embed="rId3">
-            <a:extLst>
-              <a:ext uri="{28A0092B-C50C-407E-A947-70E740481C1C}">
-                <a14:useLocalDpi xmlns:a14="http://schemas.microsoft.com/office/drawing/2010/main" val="0"/>
-              </a:ext>
-            </a:extLst>
-          </a:blip>
+          <a:blip r:embed="rId3"/>
           <a:stretch>
             <a:fillRect/>
           </a:stretch>
         </p:blipFill>
         <p:spPr>
           <a:xfrm>
-            <a:off x="1129654" y="1519050"/>
-            <a:ext cx="9932691" cy="5338949"/>
+            <a:off x="482851" y="2154354"/>
+            <a:ext cx="8124825" cy="1752600"/>
+          </a:xfrm>
+          <a:prstGeom prst="rect">
+            <a:avLst/>
+          </a:prstGeom>
+        </p:spPr>
+      </p:pic>
+      <p:pic>
+        <p:nvPicPr>
+          <p:cNvPr id="6" name="Picture 5"/>
+          <p:cNvPicPr>
+            <a:picLocks noChangeAspect="1"/>
+          </p:cNvPicPr>
+          <p:nvPr/>
+        </p:nvPicPr>
+        <p:blipFill>
+          <a:blip r:embed="rId4"/>
+          <a:stretch>
+            <a:fillRect/>
+          </a:stretch>
+        </p:blipFill>
+        <p:spPr>
+          <a:xfrm>
+            <a:off x="6587038" y="2154354"/>
+            <a:ext cx="4600575" cy="4448175"/>
           </a:xfrm>
           <a:prstGeom prst="rect">
             <a:avLst/>
@@ -4596,7 +4760,7 @@
     </p:spTree>
     <p:extLst>
       <p:ext uri="{BB962C8B-B14F-4D97-AF65-F5344CB8AC3E}">
-        <p14:creationId xmlns:p14="http://schemas.microsoft.com/office/powerpoint/2010/main" val="1112504788"/>
+        <p14:creationId xmlns:p14="http://schemas.microsoft.com/office/powerpoint/2010/main" val="1744031093"/>
       </p:ext>
     </p:extLst>
   </p:cSld>
@@ -4615,13 +4779,6 @@
       </p:transition>
     </mc:Fallback>
   </mc:AlternateContent>
-  <p:timing>
-    <p:tnLst>
-      <p:par>
-        <p:cTn id="1" dur="indefinite" restart="never" nodeType="tmRoot"/>
-      </p:par>
-    </p:tnLst>
-  </p:timing>
 </p:sld>
 </file>
 
@@ -4664,7 +4821,7 @@
         </p:blipFill>
         <p:spPr>
           <a:xfrm>
-            <a:off x="-54429" y="0"/>
+            <a:off x="0" y="0"/>
             <a:ext cx="12192000" cy="6858000"/>
           </a:xfrm>
           <a:prstGeom prst="rect">
@@ -4684,7 +4841,7 @@
         </p:nvSpPr>
         <p:spPr>
           <a:xfrm>
-            <a:off x="1545880" y="554219"/>
+            <a:off x="1074964" y="554218"/>
             <a:ext cx="10042071" cy="772051"/>
           </a:xfrm>
         </p:spPr>
@@ -4694,7 +4851,7 @@
           </a:bodyPr>
           <a:lstStyle/>
           <a:p>
-            <a:pPr marL="0" indent="0" algn="just">
+            <a:pPr marL="0" indent="0" algn="ctr">
               <a:buNone/>
             </a:pPr>
             <a:r>
@@ -4726,7 +4883,7 @@
                   </a:outerShdw>
                 </a:effectLst>
               </a:rPr>
-              <a:t>Integration testing via Kastrel and Docker</a:t>
+              <a:t>Stylecop &amp; Swagger UI </a:t>
             </a:r>
             <a:endParaRPr lang="en-US" sz="4000" dirty="0"/>
           </a:p>
@@ -4734,7 +4891,7 @@
       </p:sp>
       <p:pic>
         <p:nvPicPr>
-          <p:cNvPr id="7" name="Picture 6"/>
+          <p:cNvPr id="2" name="Picture 1"/>
           <p:cNvPicPr>
             <a:picLocks noChangeAspect="1"/>
           </p:cNvPicPr>
@@ -4754,8 +4911,8 @@
         </p:blipFill>
         <p:spPr>
           <a:xfrm>
-            <a:off x="603456" y="1550174"/>
-            <a:ext cx="10876227" cy="5307826"/>
+            <a:off x="1129654" y="1519050"/>
+            <a:ext cx="9932691" cy="5338949"/>
           </a:xfrm>
           <a:prstGeom prst="rect">
             <a:avLst/>
@@ -4765,7 +4922,7 @@
     </p:spTree>
     <p:extLst>
       <p:ext uri="{BB962C8B-B14F-4D97-AF65-F5344CB8AC3E}">
-        <p14:creationId xmlns:p14="http://schemas.microsoft.com/office/powerpoint/2010/main" val="346623427"/>
+        <p14:creationId xmlns:p14="http://schemas.microsoft.com/office/powerpoint/2010/main" val="1112504788"/>
       </p:ext>
     </p:extLst>
   </p:cSld>
@@ -4784,13 +4941,6 @@
       </p:transition>
     </mc:Fallback>
   </mc:AlternateContent>
-  <p:timing>
-    <p:tnLst>
-      <p:par>
-        <p:cTn id="1" dur="indefinite" restart="never" nodeType="tmRoot"/>
-      </p:par>
-    </p:tnLst>
-  </p:timing>
 </p:sld>
 </file>
 
@@ -4853,7 +5003,7 @@
         </p:nvSpPr>
         <p:spPr>
           <a:xfrm>
-            <a:off x="1020534" y="535931"/>
+            <a:off x="1545880" y="554219"/>
             <a:ext cx="10042071" cy="772051"/>
           </a:xfrm>
         </p:spPr>
@@ -4863,11 +5013,173 @@
           </a:bodyPr>
           <a:lstStyle/>
           <a:p>
+            <a:pPr marL="0" indent="0" algn="just">
+              <a:buNone/>
+            </a:pPr>
+            <a:r>
+              <a:rPr lang="sv-SE" sz="4000" b="1" dirty="0">
+                <a:ln w="12700">
+                  <a:solidFill>
+                    <a:schemeClr val="tx2">
+                      <a:lumMod val="75000"/>
+                    </a:schemeClr>
+                  </a:solidFill>
+                  <a:prstDash val="solid"/>
+                </a:ln>
+                <a:pattFill prst="dkUpDiag">
+                  <a:fgClr>
+                    <a:schemeClr val="tx2"/>
+                  </a:fgClr>
+                  <a:bgClr>
+                    <a:schemeClr val="tx2">
+                      <a:lumMod val="20000"/>
+                      <a:lumOff val="80000"/>
+                    </a:schemeClr>
+                  </a:bgClr>
+                </a:pattFill>
+                <a:effectLst>
+                  <a:outerShdw dist="38100" dir="2640000" algn="bl" rotWithShape="0">
+                    <a:schemeClr val="tx2">
+                      <a:lumMod val="75000"/>
+                    </a:schemeClr>
+                  </a:outerShdw>
+                </a:effectLst>
+              </a:rPr>
+              <a:t>Integration testing via Kastrel and Docker</a:t>
+            </a:r>
+            <a:endParaRPr lang="en-US" sz="4000" dirty="0"/>
+          </a:p>
+        </p:txBody>
+      </p:sp>
+      <p:pic>
+        <p:nvPicPr>
+          <p:cNvPr id="7" name="Picture 6"/>
+          <p:cNvPicPr>
+            <a:picLocks noChangeAspect="1"/>
+          </p:cNvPicPr>
+          <p:nvPr/>
+        </p:nvPicPr>
+        <p:blipFill>
+          <a:blip r:embed="rId3">
+            <a:extLst>
+              <a:ext uri="{28A0092B-C50C-407E-A947-70E740481C1C}">
+                <a14:useLocalDpi xmlns:a14="http://schemas.microsoft.com/office/drawing/2010/main" val="0"/>
+              </a:ext>
+            </a:extLst>
+          </a:blip>
+          <a:stretch>
+            <a:fillRect/>
+          </a:stretch>
+        </p:blipFill>
+        <p:spPr>
+          <a:xfrm>
+            <a:off x="603456" y="1550174"/>
+            <a:ext cx="10876227" cy="5307826"/>
+          </a:xfrm>
+          <a:prstGeom prst="rect">
+            <a:avLst/>
+          </a:prstGeom>
+        </p:spPr>
+      </p:pic>
+    </p:spTree>
+    <p:extLst>
+      <p:ext uri="{BB962C8B-B14F-4D97-AF65-F5344CB8AC3E}">
+        <p14:creationId xmlns:p14="http://schemas.microsoft.com/office/powerpoint/2010/main" val="346623427"/>
+      </p:ext>
+    </p:extLst>
+  </p:cSld>
+  <p:clrMapOvr>
+    <a:masterClrMapping/>
+  </p:clrMapOvr>
+  <mc:AlternateContent xmlns:mc="http://schemas.openxmlformats.org/markup-compatibility/2006" xmlns:p14="http://schemas.microsoft.com/office/powerpoint/2010/main">
+    <mc:Choice Requires="p14">
+      <p:transition spd="slow" p14:dur="800">
+        <p:circle/>
+      </p:transition>
+    </mc:Choice>
+    <mc:Fallback xmlns="">
+      <p:transition spd="slow">
+        <p:circle/>
+      </p:transition>
+    </mc:Fallback>
+  </mc:AlternateContent>
+</p:sld>
+</file>
+
+<file path=ppt/slides/slide17.xml><?xml version="1.0" encoding="utf-8"?>
+<p:sld xmlns:a="http://schemas.openxmlformats.org/drawingml/2006/main" xmlns:r="http://schemas.openxmlformats.org/officeDocument/2006/relationships" xmlns:p="http://schemas.openxmlformats.org/presentationml/2006/main">
+  <p:cSld>
+    <p:spTree>
+      <p:nvGrpSpPr>
+        <p:cNvPr id="1" name=""/>
+        <p:cNvGrpSpPr/>
+        <p:nvPr/>
+      </p:nvGrpSpPr>
+      <p:grpSpPr>
+        <a:xfrm>
+          <a:off x="0" y="0"/>
+          <a:ext cx="0" cy="0"/>
+          <a:chOff x="0" y="0"/>
+          <a:chExt cx="0" cy="0"/>
+        </a:xfrm>
+      </p:grpSpPr>
+      <p:pic>
+        <p:nvPicPr>
+          <p:cNvPr id="5" name="Picture 4"/>
+          <p:cNvPicPr>
+            <a:picLocks noChangeAspect="1"/>
+          </p:cNvPicPr>
+          <p:nvPr/>
+        </p:nvPicPr>
+        <p:blipFill>
+          <a:blip r:embed="rId2">
+            <a:extLst>
+              <a:ext uri="{28A0092B-C50C-407E-A947-70E740481C1C}">
+                <a14:useLocalDpi xmlns:a14="http://schemas.microsoft.com/office/drawing/2010/main" val="0"/>
+              </a:ext>
+            </a:extLst>
+          </a:blip>
+          <a:stretch>
+            <a:fillRect/>
+          </a:stretch>
+        </p:blipFill>
+        <p:spPr>
+          <a:xfrm>
+            <a:off x="-54429" y="0"/>
+            <a:ext cx="12192000" cy="6858000"/>
+          </a:xfrm>
+          <a:prstGeom prst="rect">
+            <a:avLst/>
+          </a:prstGeom>
+        </p:spPr>
+      </p:pic>
+      <p:sp>
+        <p:nvSpPr>
+          <p:cNvPr id="4" name="Content Placeholder 2"/>
+          <p:cNvSpPr>
+            <a:spLocks noGrp="1"/>
+          </p:cNvSpPr>
+          <p:nvPr>
+            <p:ph idx="1"/>
+          </p:nvPr>
+        </p:nvSpPr>
+        <p:spPr>
+          <a:xfrm>
+            <a:off x="1020534" y="535931"/>
+            <a:ext cx="10042071" cy="772051"/>
+          </a:xfrm>
+        </p:spPr>
+        <p:txBody>
+          <a:bodyPr>
+            <a:noAutofit/>
+          </a:bodyPr>
+          <a:lstStyle/>
+          <a:p>
             <a:pPr marL="0" indent="0" algn="ctr">
               <a:buNone/>
             </a:pPr>
             <a:r>
-              <a:rPr lang="sv-SE" sz="4000" b="1" dirty="0" smtClean="0">
+              <a:rPr lang="sv-SE" sz="4000" b="1" dirty="0">
                 <a:ln w="12700">
                   <a:solidFill>
                     <a:schemeClr val="tx2">
@@ -4953,17 +5265,10 @@
       </p:transition>
     </mc:Fallback>
   </mc:AlternateContent>
-  <p:timing>
-    <p:tnLst>
-      <p:par>
-        <p:cTn id="1" dur="indefinite" restart="never" nodeType="tmRoot"/>
-      </p:par>
-    </p:tnLst>
-  </p:timing>
 </p:sld>
 </file>
 
-<file path=ppt/slides/slide17.xml><?xml version="1.0" encoding="utf-8"?>
+<file path=ppt/slides/slide18.xml><?xml version="1.0" encoding="utf-8"?>
 <p:sld xmlns:a="http://schemas.openxmlformats.org/drawingml/2006/main" xmlns:r="http://schemas.openxmlformats.org/officeDocument/2006/relationships" xmlns:p="http://schemas.openxmlformats.org/presentationml/2006/main">
   <p:cSld>
     <p:spTree>
@@ -5034,7 +5339,7 @@
           <a:p>
             <a:pPr algn="ctr"/>
             <a:r>
-              <a:rPr lang="en-US" sz="7200" b="1" cap="none" spc="0" dirty="0" smtClean="0">
+              <a:rPr lang="en-US" sz="7200" b="1" cap="none" spc="0" dirty="0">
                 <a:ln w="12700">
                   <a:solidFill>
                     <a:schemeClr val="tx2">
@@ -5068,7 +5373,7 @@
           <a:p>
             <a:pPr algn="ctr"/>
             <a:r>
-              <a:rPr lang="en-US" sz="7200" b="1" dirty="0" smtClean="0">
+              <a:rPr lang="en-US" sz="7200" b="1" dirty="0">
                 <a:ln w="12700">
                   <a:solidFill>
                     <a:schemeClr val="tx2">
@@ -5192,13 +5497,6 @@
       </p:transition>
     </mc:Fallback>
   </mc:AlternateContent>
-  <p:timing>
-    <p:tnLst>
-      <p:par>
-        <p:cTn id="1" dur="indefinite" restart="never" nodeType="tmRoot"/>
-      </p:par>
-    </p:tnLst>
-  </p:timing>
 </p:sld>
 </file>
 
@@ -5249,47 +5547,68 @@
           </a:prstGeom>
         </p:spPr>
       </p:pic>
-      <p:pic>
-        <p:nvPicPr>
-          <p:cNvPr id="1026" name="Picture 2" descr="Снимка на Jordan Jordanov."/>
-          <p:cNvPicPr>
-            <a:picLocks noChangeAspect="1" noChangeArrowheads="1"/>
-          </p:cNvPicPr>
-          <p:nvPr/>
-        </p:nvPicPr>
-        <p:blipFill>
-          <a:blip r:embed="rId3">
+      <p:sp>
+        <p:nvSpPr>
+          <p:cNvPr id="4" name="Rectangle 3">
             <a:extLst>
-              <a:ext uri="{28A0092B-C50C-407E-A947-70E740481C1C}">
-                <a14:useLocalDpi xmlns:a14="http://schemas.microsoft.com/office/drawing/2010/main" val="0"/>
+              <a:ext uri="{FF2B5EF4-FFF2-40B4-BE49-F238E27FC236}">
+                <a16:creationId xmlns:a16="http://schemas.microsoft.com/office/drawing/2014/main" id="{E5997963-3C92-4CCE-9D84-6075C6F7E520}"/>
               </a:ext>
             </a:extLst>
-          </a:blip>
-          <a:srcRect/>
-          <a:stretch>
-            <a:fillRect/>
-          </a:stretch>
-        </p:blipFill>
-        <p:spPr bwMode="auto">
-          <a:xfrm>
-            <a:off x="966216" y="-50800"/>
-            <a:ext cx="10363200" cy="6908800"/>
+          </p:cNvPr>
+          <p:cNvSpPr/>
+          <p:nvPr/>
+        </p:nvSpPr>
+        <p:spPr>
+          <a:xfrm>
+            <a:off x="1945412" y="2528966"/>
+            <a:ext cx="8619958" cy="1938992"/>
           </a:xfrm>
           <a:prstGeom prst="rect">
             <a:avLst/>
           </a:prstGeom>
-          <a:noFill/>
-          <a:extLst>
-            <a:ext uri="{909E8E84-426E-40DD-AFC4-6F175D3DCCD1}">
-              <a14:hiddenFill xmlns:a14="http://schemas.microsoft.com/office/drawing/2010/main">
-                <a:solidFill>
-                  <a:srgbClr val="FFFFFF"/>
-                </a:solidFill>
-              </a14:hiddenFill>
-            </a:ext>
-          </a:extLst>
-        </p:spPr>
-      </p:pic>
+        </p:spPr>
+        <p:txBody>
+          <a:bodyPr wrap="square">
+            <a:spAutoFit/>
+          </a:bodyPr>
+          <a:lstStyle/>
+          <a:p>
+            <a:pPr algn="ctr"/>
+            <a:r>
+              <a:rPr lang="en-US" sz="4000" b="1" dirty="0">
+                <a:ln w="12700">
+                  <a:solidFill>
+                    <a:schemeClr val="tx2">
+                      <a:lumMod val="75000"/>
+                    </a:schemeClr>
+                  </a:solidFill>
+                  <a:prstDash val="solid"/>
+                </a:ln>
+                <a:pattFill prst="dkUpDiag">
+                  <a:fgClr>
+                    <a:schemeClr val="tx2"/>
+                  </a:fgClr>
+                  <a:bgClr>
+                    <a:schemeClr val="tx2">
+                      <a:lumMod val="20000"/>
+                      <a:lumOff val="80000"/>
+                    </a:schemeClr>
+                  </a:bgClr>
+                </a:pattFill>
+                <a:effectLst>
+                  <a:outerShdw dist="38100" dir="2640000" algn="bl" rotWithShape="0">
+                    <a:schemeClr val="tx2">
+                      <a:lumMod val="75000"/>
+                    </a:schemeClr>
+                  </a:outerShdw>
+                </a:effectLst>
+              </a:rPr>
+              <a:t>the main goal of DDD ideas is to address the complexity of business logic. </a:t>
+            </a:r>
+          </a:p>
+        </p:txBody>
+      </p:sp>
     </p:spTree>
     <p:extLst>
       <p:ext uri="{BB962C8B-B14F-4D97-AF65-F5344CB8AC3E}">
@@ -5312,13 +5631,6 @@
       </p:transition>
     </mc:Fallback>
   </mc:AlternateContent>
-  <p:timing>
-    <p:tnLst>
-      <p:par>
-        <p:cTn id="1" dur="indefinite" restart="never" nodeType="tmRoot"/>
-      </p:par>
-    </p:tnLst>
-  </p:timing>
 </p:sld>
 </file>
 
@@ -5369,57 +5681,16 @@
           </a:prstGeom>
         </p:spPr>
       </p:pic>
-      <p:pic>
-        <p:nvPicPr>
-          <p:cNvPr id="2" name="Picture 2" descr="Снимка на Катедра &quot;Финанси&quot;."/>
-          <p:cNvPicPr>
-            <a:picLocks noChangeAspect="1" noChangeArrowheads="1"/>
-          </p:cNvPicPr>
-          <p:nvPr/>
-        </p:nvPicPr>
-        <p:blipFill>
-          <a:blip r:embed="rId3" cstate="print">
-            <a:extLst>
-              <a:ext uri="{28A0092B-C50C-407E-A947-70E740481C1C}">
-                <a14:useLocalDpi xmlns:a14="http://schemas.microsoft.com/office/drawing/2010/main" val="0"/>
-              </a:ext>
-            </a:extLst>
-          </a:blip>
-          <a:srcRect/>
-          <a:stretch>
-            <a:fillRect/>
-          </a:stretch>
-        </p:blipFill>
-        <p:spPr bwMode="auto">
-          <a:xfrm>
-            <a:off x="2078700" y="0"/>
-            <a:ext cx="7606812" cy="5705109"/>
-          </a:xfrm>
-          <a:prstGeom prst="rect">
-            <a:avLst/>
-          </a:prstGeom>
-          <a:noFill/>
-          <a:extLst>
-            <a:ext uri="{909E8E84-426E-40DD-AFC4-6F175D3DCCD1}">
-              <a14:hiddenFill xmlns:a14="http://schemas.microsoft.com/office/drawing/2010/main">
-                <a:solidFill>
-                  <a:srgbClr val="FFFFFF"/>
-                </a:solidFill>
-              </a14:hiddenFill>
-            </a:ext>
-          </a:extLst>
-        </p:spPr>
-      </p:pic>
-      <p:sp>
-        <p:nvSpPr>
-          <p:cNvPr id="5" name="Rectangle 4"/>
+      <p:sp>
+        <p:nvSpPr>
+          <p:cNvPr id="4" name="Rectangle 3"/>
           <p:cNvSpPr/>
           <p:nvPr/>
         </p:nvSpPr>
         <p:spPr>
           <a:xfrm>
-            <a:off x="1802746" y="5682925"/>
-            <a:ext cx="8619958" cy="707886"/>
+            <a:off x="1962190" y="2998750"/>
+            <a:ext cx="8619958" cy="2554545"/>
           </a:xfrm>
           <a:prstGeom prst="rect">
             <a:avLst/>
@@ -5461,164 +5732,9 @@
                   </a:outerShdw>
                 </a:effectLst>
               </a:rPr>
-              <a:t>Workshop </a:t>
-            </a:r>
-            <a:r>
-              <a:rPr lang="en-US" sz="4000" b="1" dirty="0" smtClean="0">
-                <a:ln w="12700">
-                  <a:solidFill>
-                    <a:schemeClr val="tx2">
-                      <a:lumMod val="75000"/>
-                    </a:schemeClr>
-                  </a:solidFill>
-                  <a:prstDash val="solid"/>
-                </a:ln>
-                <a:pattFill prst="dkUpDiag">
-                  <a:fgClr>
-                    <a:schemeClr val="tx2"/>
-                  </a:fgClr>
-                  <a:bgClr>
-                    <a:schemeClr val="tx2">
-                      <a:lumMod val="20000"/>
-                      <a:lumOff val="80000"/>
-                    </a:schemeClr>
-                  </a:bgClr>
-                </a:pattFill>
-                <a:effectLst>
-                  <a:outerShdw dist="38100" dir="2640000" algn="bl" rotWithShape="0">
-                    <a:schemeClr val="tx2">
-                      <a:lumMod val="75000"/>
-                    </a:schemeClr>
-                  </a:outerShdw>
-                </a:effectLst>
-              </a:rPr>
-              <a:t>“</a:t>
-            </a:r>
-            <a:r>
-              <a:rPr lang="bg-BG" sz="4000" b="1" dirty="0" smtClean="0">
-                <a:ln w="12700">
-                  <a:solidFill>
-                    <a:schemeClr val="tx2">
-                      <a:lumMod val="75000"/>
-                    </a:schemeClr>
-                  </a:solidFill>
-                  <a:prstDash val="solid"/>
-                </a:ln>
-                <a:pattFill prst="dkUpDiag">
-                  <a:fgClr>
-                    <a:schemeClr val="tx2"/>
-                  </a:fgClr>
-                  <a:bgClr>
-                    <a:schemeClr val="tx2">
-                      <a:lumMod val="20000"/>
-                      <a:lumOff val="80000"/>
-                    </a:schemeClr>
-                  </a:bgClr>
-                </a:pattFill>
-                <a:effectLst>
-                  <a:outerShdw dist="38100" dir="2640000" algn="bl" rotWithShape="0">
-                    <a:schemeClr val="tx2">
-                      <a:lumMod val="75000"/>
-                    </a:schemeClr>
-                  </a:outerShdw>
-                </a:effectLst>
-              </a:rPr>
-              <a:t>Спечели </a:t>
-            </a:r>
-            <a:r>
-              <a:rPr lang="bg-BG" sz="4000" b="1" dirty="0">
-                <a:ln w="12700">
-                  <a:solidFill>
-                    <a:schemeClr val="tx2">
-                      <a:lumMod val="75000"/>
-                    </a:schemeClr>
-                  </a:solidFill>
-                  <a:prstDash val="solid"/>
-                </a:ln>
-                <a:pattFill prst="dkUpDiag">
-                  <a:fgClr>
-                    <a:schemeClr val="tx2"/>
-                  </a:fgClr>
-                  <a:bgClr>
-                    <a:schemeClr val="tx2">
-                      <a:lumMod val="20000"/>
-                      <a:lumOff val="80000"/>
-                    </a:schemeClr>
-                  </a:bgClr>
-                </a:pattFill>
-                <a:effectLst>
-                  <a:outerShdw dist="38100" dir="2640000" algn="bl" rotWithShape="0">
-                    <a:schemeClr val="tx2">
-                      <a:lumMod val="75000"/>
-                    </a:schemeClr>
-                  </a:outerShdw>
-                </a:effectLst>
-              </a:rPr>
-              <a:t>това интервю</a:t>
-            </a:r>
-            <a:r>
-              <a:rPr lang="bg-BG" sz="4000" b="1" dirty="0" smtClean="0">
-                <a:ln w="12700">
-                  <a:solidFill>
-                    <a:schemeClr val="tx2">
-                      <a:lumMod val="75000"/>
-                    </a:schemeClr>
-                  </a:solidFill>
-                  <a:prstDash val="solid"/>
-                </a:ln>
-                <a:pattFill prst="dkUpDiag">
-                  <a:fgClr>
-                    <a:schemeClr val="tx2"/>
-                  </a:fgClr>
-                  <a:bgClr>
-                    <a:schemeClr val="tx2">
-                      <a:lumMod val="20000"/>
-                      <a:lumOff val="80000"/>
-                    </a:schemeClr>
-                  </a:bgClr>
-                </a:pattFill>
-                <a:effectLst>
-                  <a:outerShdw dist="38100" dir="2640000" algn="bl" rotWithShape="0">
-                    <a:schemeClr val="tx2">
-                      <a:lumMod val="75000"/>
-                    </a:schemeClr>
-                  </a:outerShdw>
-                </a:effectLst>
-              </a:rPr>
-              <a:t>!</a:t>
-            </a:r>
-            <a:r>
-              <a:rPr lang="en-US" sz="4000" b="1" dirty="0" smtClean="0">
-                <a:ln w="12700">
-                  <a:solidFill>
-                    <a:schemeClr val="tx2">
-                      <a:lumMod val="75000"/>
-                    </a:schemeClr>
-                  </a:solidFill>
-                  <a:prstDash val="solid"/>
-                </a:ln>
-                <a:pattFill prst="dkUpDiag">
-                  <a:fgClr>
-                    <a:schemeClr val="tx2"/>
-                  </a:fgClr>
-                  <a:bgClr>
-                    <a:schemeClr val="tx2">
-                      <a:lumMod val="20000"/>
-                      <a:lumOff val="80000"/>
-                    </a:schemeClr>
-                  </a:bgClr>
-                </a:pattFill>
-                <a:effectLst>
-                  <a:outerShdw dist="38100" dir="2640000" algn="bl" rotWithShape="0">
-                    <a:schemeClr val="tx2">
-                      <a:lumMod val="75000"/>
-                    </a:schemeClr>
-                  </a:outerShdw>
-                </a:effectLst>
-              </a:rPr>
-              <a:t>” </a:t>
-            </a:r>
-            <a:endParaRPr lang="en-US" sz="4000" b="1" cap="none" spc="0" dirty="0" smtClean="0">
+              <a:t>Ubiquitous language, bounded context, and core domain are the strategic elements and the most important parts of DDD.</a:t>
+            </a:r>
+            <a:endParaRPr lang="en-US" sz="4000" b="1" cap="none" spc="0" dirty="0">
               <a:ln w="12700">
                 <a:solidFill>
                   <a:schemeClr val="tx2">
@@ -5649,156 +5765,10 @@
           </a:p>
         </p:txBody>
       </p:sp>
-      <p:sp>
-        <p:nvSpPr>
-          <p:cNvPr id="6" name="Rectangle 5"/>
-          <p:cNvSpPr/>
-          <p:nvPr/>
-        </p:nvSpPr>
-        <p:spPr>
-          <a:xfrm>
-            <a:off x="1572127" y="6295198"/>
-            <a:ext cx="8619958" cy="584775"/>
-          </a:xfrm>
-          <a:prstGeom prst="rect">
-            <a:avLst/>
-          </a:prstGeom>
-        </p:spPr>
-        <p:txBody>
-          <a:bodyPr wrap="square">
-            <a:spAutoFit/>
-          </a:bodyPr>
-          <a:lstStyle/>
-          <a:p>
-            <a:pPr algn="ctr"/>
-            <a:r>
-              <a:rPr lang="bg-BG" sz="3200" b="1" dirty="0" smtClean="0">
-                <a:ln w="12700">
-                  <a:solidFill>
-                    <a:schemeClr val="tx2">
-                      <a:lumMod val="75000"/>
-                    </a:schemeClr>
-                  </a:solidFill>
-                  <a:prstDash val="solid"/>
-                </a:ln>
-                <a:pattFill prst="dkUpDiag">
-                  <a:fgClr>
-                    <a:schemeClr val="tx2"/>
-                  </a:fgClr>
-                  <a:bgClr>
-                    <a:schemeClr val="tx2">
-                      <a:lumMod val="20000"/>
-                      <a:lumOff val="80000"/>
-                    </a:schemeClr>
-                  </a:bgClr>
-                </a:pattFill>
-                <a:effectLst>
-                  <a:outerShdw dist="38100" dir="2640000" algn="bl" rotWithShape="0">
-                    <a:schemeClr val="tx2">
-                      <a:lumMod val="75000"/>
-                    </a:schemeClr>
-                  </a:outerShdw>
-                </a:effectLst>
-              </a:rPr>
-              <a:t>ИУ-Варна</a:t>
-            </a:r>
-            <a:r>
-              <a:rPr lang="bg-BG" sz="3200" b="1" dirty="0">
-                <a:ln w="12700">
-                  <a:solidFill>
-                    <a:schemeClr val="tx2">
-                      <a:lumMod val="75000"/>
-                    </a:schemeClr>
-                  </a:solidFill>
-                  <a:prstDash val="solid"/>
-                </a:ln>
-                <a:pattFill prst="dkUpDiag">
-                  <a:fgClr>
-                    <a:schemeClr val="tx2"/>
-                  </a:fgClr>
-                  <a:bgClr>
-                    <a:schemeClr val="tx2">
-                      <a:lumMod val="20000"/>
-                      <a:lumOff val="80000"/>
-                    </a:schemeClr>
-                  </a:bgClr>
-                </a:pattFill>
-                <a:effectLst>
-                  <a:outerShdw dist="38100" dir="2640000" algn="bl" rotWithShape="0">
-                    <a:schemeClr val="tx2">
-                      <a:lumMod val="75000"/>
-                    </a:schemeClr>
-                  </a:outerShdw>
-                </a:effectLst>
-              </a:rPr>
-              <a:t>, зала 316</a:t>
-            </a:r>
-            <a:r>
-              <a:rPr lang="en-US" sz="3200" b="1" dirty="0" smtClean="0">
-                <a:ln w="12700">
-                  <a:solidFill>
-                    <a:schemeClr val="tx2">
-                      <a:lumMod val="75000"/>
-                    </a:schemeClr>
-                  </a:solidFill>
-                  <a:prstDash val="solid"/>
-                </a:ln>
-                <a:pattFill prst="dkUpDiag">
-                  <a:fgClr>
-                    <a:schemeClr val="tx2"/>
-                  </a:fgClr>
-                  <a:bgClr>
-                    <a:schemeClr val="tx2">
-                      <a:lumMod val="20000"/>
-                      <a:lumOff val="80000"/>
-                    </a:schemeClr>
-                  </a:bgClr>
-                </a:pattFill>
-                <a:effectLst>
-                  <a:outerShdw dist="38100" dir="2640000" algn="bl" rotWithShape="0">
-                    <a:schemeClr val="tx2">
-                      <a:lumMod val="75000"/>
-                    </a:schemeClr>
-                  </a:outerShdw>
-                </a:effectLst>
-              </a:rPr>
-              <a:t> </a:t>
-            </a:r>
-            <a:endParaRPr lang="en-US" sz="3200" b="1" cap="none" spc="0" dirty="0" smtClean="0">
-              <a:ln w="12700">
-                <a:solidFill>
-                  <a:schemeClr val="tx2">
-                    <a:lumMod val="75000"/>
-                  </a:schemeClr>
-                </a:solidFill>
-                <a:prstDash val="solid"/>
-              </a:ln>
-              <a:pattFill prst="dkUpDiag">
-                <a:fgClr>
-                  <a:schemeClr val="tx2"/>
-                </a:fgClr>
-                <a:bgClr>
-                  <a:schemeClr val="tx2">
-                    <a:lumMod val="20000"/>
-                    <a:lumOff val="80000"/>
-                  </a:schemeClr>
-                </a:bgClr>
-              </a:pattFill>
-              <a:effectLst>
-                <a:outerShdw dist="38100" dir="2640000" algn="bl" rotWithShape="0">
-                  <a:schemeClr val="tx2">
-                    <a:lumMod val="75000"/>
-                  </a:schemeClr>
-                </a:outerShdw>
-              </a:effectLst>
-            </a:endParaRPr>
-          </a:p>
-        </p:txBody>
-      </p:sp>
     </p:spTree>
     <p:extLst>
       <p:ext uri="{BB962C8B-B14F-4D97-AF65-F5344CB8AC3E}">
-        <p14:creationId xmlns:p14="http://schemas.microsoft.com/office/powerpoint/2010/main" val="2848692919"/>
+        <p14:creationId xmlns:p14="http://schemas.microsoft.com/office/powerpoint/2010/main" val="1538936373"/>
       </p:ext>
     </p:extLst>
   </p:cSld>
@@ -5817,13 +5787,6 @@
       </p:transition>
     </mc:Fallback>
   </mc:AlternateContent>
-  <p:timing>
-    <p:tnLst>
-      <p:par>
-        <p:cTn id="1" dur="indefinite" restart="never" nodeType="tmRoot"/>
-      </p:par>
-    </p:tnLst>
-  </p:timing>
 </p:sld>
 </file>
 
@@ -5874,6 +5837,380 @@
           </a:prstGeom>
         </p:spPr>
       </p:pic>
+      <p:pic>
+        <p:nvPicPr>
+          <p:cNvPr id="2" name="Picture 2" descr="Снимка на Катедра &quot;Финанси&quot;."/>
+          <p:cNvPicPr>
+            <a:picLocks noChangeAspect="1" noChangeArrowheads="1"/>
+          </p:cNvPicPr>
+          <p:nvPr/>
+        </p:nvPicPr>
+        <p:blipFill>
+          <a:blip r:embed="rId3" cstate="print">
+            <a:extLst>
+              <a:ext uri="{28A0092B-C50C-407E-A947-70E740481C1C}">
+                <a14:useLocalDpi xmlns:a14="http://schemas.microsoft.com/office/drawing/2010/main" val="0"/>
+              </a:ext>
+            </a:extLst>
+          </a:blip>
+          <a:srcRect/>
+          <a:stretch>
+            <a:fillRect/>
+          </a:stretch>
+        </p:blipFill>
+        <p:spPr bwMode="auto">
+          <a:xfrm>
+            <a:off x="2078700" y="0"/>
+            <a:ext cx="7606812" cy="5705109"/>
+          </a:xfrm>
+          <a:prstGeom prst="rect">
+            <a:avLst/>
+          </a:prstGeom>
+          <a:noFill/>
+          <a:extLst>
+            <a:ext uri="{909E8E84-426E-40DD-AFC4-6F175D3DCCD1}">
+              <a14:hiddenFill xmlns:a14="http://schemas.microsoft.com/office/drawing/2010/main">
+                <a:solidFill>
+                  <a:srgbClr val="FFFFFF"/>
+                </a:solidFill>
+              </a14:hiddenFill>
+            </a:ext>
+          </a:extLst>
+        </p:spPr>
+      </p:pic>
+      <p:sp>
+        <p:nvSpPr>
+          <p:cNvPr id="5" name="Rectangle 4"/>
+          <p:cNvSpPr/>
+          <p:nvPr/>
+        </p:nvSpPr>
+        <p:spPr>
+          <a:xfrm>
+            <a:off x="1802746" y="5682925"/>
+            <a:ext cx="8619958" cy="707886"/>
+          </a:xfrm>
+          <a:prstGeom prst="rect">
+            <a:avLst/>
+          </a:prstGeom>
+        </p:spPr>
+        <p:txBody>
+          <a:bodyPr wrap="square">
+            <a:spAutoFit/>
+          </a:bodyPr>
+          <a:lstStyle/>
+          <a:p>
+            <a:pPr algn="ctr"/>
+            <a:r>
+              <a:rPr lang="en-US" sz="4000" b="1" dirty="0">
+                <a:ln w="12700">
+                  <a:solidFill>
+                    <a:schemeClr val="tx2">
+                      <a:lumMod val="75000"/>
+                    </a:schemeClr>
+                  </a:solidFill>
+                  <a:prstDash val="solid"/>
+                </a:ln>
+                <a:pattFill prst="dkUpDiag">
+                  <a:fgClr>
+                    <a:schemeClr val="tx2"/>
+                  </a:fgClr>
+                  <a:bgClr>
+                    <a:schemeClr val="tx2">
+                      <a:lumMod val="20000"/>
+                      <a:lumOff val="80000"/>
+                    </a:schemeClr>
+                  </a:bgClr>
+                </a:pattFill>
+                <a:effectLst>
+                  <a:outerShdw dist="38100" dir="2640000" algn="bl" rotWithShape="0">
+                    <a:schemeClr val="tx2">
+                      <a:lumMod val="75000"/>
+                    </a:schemeClr>
+                  </a:outerShdw>
+                </a:effectLst>
+              </a:rPr>
+              <a:t>Workshop “</a:t>
+            </a:r>
+            <a:r>
+              <a:rPr lang="bg-BG" sz="4000" b="1" dirty="0">
+                <a:ln w="12700">
+                  <a:solidFill>
+                    <a:schemeClr val="tx2">
+                      <a:lumMod val="75000"/>
+                    </a:schemeClr>
+                  </a:solidFill>
+                  <a:prstDash val="solid"/>
+                </a:ln>
+                <a:pattFill prst="dkUpDiag">
+                  <a:fgClr>
+                    <a:schemeClr val="tx2"/>
+                  </a:fgClr>
+                  <a:bgClr>
+                    <a:schemeClr val="tx2">
+                      <a:lumMod val="20000"/>
+                      <a:lumOff val="80000"/>
+                    </a:schemeClr>
+                  </a:bgClr>
+                </a:pattFill>
+                <a:effectLst>
+                  <a:outerShdw dist="38100" dir="2640000" algn="bl" rotWithShape="0">
+                    <a:schemeClr val="tx2">
+                      <a:lumMod val="75000"/>
+                    </a:schemeClr>
+                  </a:outerShdw>
+                </a:effectLst>
+              </a:rPr>
+              <a:t>Спечели това интервю!</a:t>
+            </a:r>
+            <a:r>
+              <a:rPr lang="en-US" sz="4000" b="1" dirty="0">
+                <a:ln w="12700">
+                  <a:solidFill>
+                    <a:schemeClr val="tx2">
+                      <a:lumMod val="75000"/>
+                    </a:schemeClr>
+                  </a:solidFill>
+                  <a:prstDash val="solid"/>
+                </a:ln>
+                <a:pattFill prst="dkUpDiag">
+                  <a:fgClr>
+                    <a:schemeClr val="tx2"/>
+                  </a:fgClr>
+                  <a:bgClr>
+                    <a:schemeClr val="tx2">
+                      <a:lumMod val="20000"/>
+                      <a:lumOff val="80000"/>
+                    </a:schemeClr>
+                  </a:bgClr>
+                </a:pattFill>
+                <a:effectLst>
+                  <a:outerShdw dist="38100" dir="2640000" algn="bl" rotWithShape="0">
+                    <a:schemeClr val="tx2">
+                      <a:lumMod val="75000"/>
+                    </a:schemeClr>
+                  </a:outerShdw>
+                </a:effectLst>
+              </a:rPr>
+              <a:t>” </a:t>
+            </a:r>
+            <a:endParaRPr lang="en-US" sz="4000" b="1" cap="none" spc="0" dirty="0">
+              <a:ln w="12700">
+                <a:solidFill>
+                  <a:schemeClr val="tx2">
+                    <a:lumMod val="75000"/>
+                  </a:schemeClr>
+                </a:solidFill>
+                <a:prstDash val="solid"/>
+              </a:ln>
+              <a:pattFill prst="dkUpDiag">
+                <a:fgClr>
+                  <a:schemeClr val="tx2"/>
+                </a:fgClr>
+                <a:bgClr>
+                  <a:schemeClr val="tx2">
+                    <a:lumMod val="20000"/>
+                    <a:lumOff val="80000"/>
+                  </a:schemeClr>
+                </a:bgClr>
+              </a:pattFill>
+              <a:effectLst>
+                <a:outerShdw dist="38100" dir="2640000" algn="bl" rotWithShape="0">
+                  <a:schemeClr val="tx2">
+                    <a:lumMod val="75000"/>
+                  </a:schemeClr>
+                </a:outerShdw>
+              </a:effectLst>
+            </a:endParaRPr>
+          </a:p>
+        </p:txBody>
+      </p:sp>
+      <p:sp>
+        <p:nvSpPr>
+          <p:cNvPr id="6" name="Rectangle 5"/>
+          <p:cNvSpPr/>
+          <p:nvPr/>
+        </p:nvSpPr>
+        <p:spPr>
+          <a:xfrm>
+            <a:off x="1572127" y="6295198"/>
+            <a:ext cx="8619958" cy="584775"/>
+          </a:xfrm>
+          <a:prstGeom prst="rect">
+            <a:avLst/>
+          </a:prstGeom>
+        </p:spPr>
+        <p:txBody>
+          <a:bodyPr wrap="square">
+            <a:spAutoFit/>
+          </a:bodyPr>
+          <a:lstStyle/>
+          <a:p>
+            <a:pPr algn="ctr"/>
+            <a:r>
+              <a:rPr lang="bg-BG" sz="3200" b="1" dirty="0">
+                <a:ln w="12700">
+                  <a:solidFill>
+                    <a:schemeClr val="tx2">
+                      <a:lumMod val="75000"/>
+                    </a:schemeClr>
+                  </a:solidFill>
+                  <a:prstDash val="solid"/>
+                </a:ln>
+                <a:pattFill prst="dkUpDiag">
+                  <a:fgClr>
+                    <a:schemeClr val="tx2"/>
+                  </a:fgClr>
+                  <a:bgClr>
+                    <a:schemeClr val="tx2">
+                      <a:lumMod val="20000"/>
+                      <a:lumOff val="80000"/>
+                    </a:schemeClr>
+                  </a:bgClr>
+                </a:pattFill>
+                <a:effectLst>
+                  <a:outerShdw dist="38100" dir="2640000" algn="bl" rotWithShape="0">
+                    <a:schemeClr val="tx2">
+                      <a:lumMod val="75000"/>
+                    </a:schemeClr>
+                  </a:outerShdw>
+                </a:effectLst>
+              </a:rPr>
+              <a:t>ИУ-Варна, зала 316</a:t>
+            </a:r>
+            <a:r>
+              <a:rPr lang="en-US" sz="3200" b="1" dirty="0">
+                <a:ln w="12700">
+                  <a:solidFill>
+                    <a:schemeClr val="tx2">
+                      <a:lumMod val="75000"/>
+                    </a:schemeClr>
+                  </a:solidFill>
+                  <a:prstDash val="solid"/>
+                </a:ln>
+                <a:pattFill prst="dkUpDiag">
+                  <a:fgClr>
+                    <a:schemeClr val="tx2"/>
+                  </a:fgClr>
+                  <a:bgClr>
+                    <a:schemeClr val="tx2">
+                      <a:lumMod val="20000"/>
+                      <a:lumOff val="80000"/>
+                    </a:schemeClr>
+                  </a:bgClr>
+                </a:pattFill>
+                <a:effectLst>
+                  <a:outerShdw dist="38100" dir="2640000" algn="bl" rotWithShape="0">
+                    <a:schemeClr val="tx2">
+                      <a:lumMod val="75000"/>
+                    </a:schemeClr>
+                  </a:outerShdw>
+                </a:effectLst>
+              </a:rPr>
+              <a:t> </a:t>
+            </a:r>
+            <a:endParaRPr lang="en-US" sz="3200" b="1" cap="none" spc="0" dirty="0">
+              <a:ln w="12700">
+                <a:solidFill>
+                  <a:schemeClr val="tx2">
+                    <a:lumMod val="75000"/>
+                  </a:schemeClr>
+                </a:solidFill>
+                <a:prstDash val="solid"/>
+              </a:ln>
+              <a:pattFill prst="dkUpDiag">
+                <a:fgClr>
+                  <a:schemeClr val="tx2"/>
+                </a:fgClr>
+                <a:bgClr>
+                  <a:schemeClr val="tx2">
+                    <a:lumMod val="20000"/>
+                    <a:lumOff val="80000"/>
+                  </a:schemeClr>
+                </a:bgClr>
+              </a:pattFill>
+              <a:effectLst>
+                <a:outerShdw dist="38100" dir="2640000" algn="bl" rotWithShape="0">
+                  <a:schemeClr val="tx2">
+                    <a:lumMod val="75000"/>
+                  </a:schemeClr>
+                </a:outerShdw>
+              </a:effectLst>
+            </a:endParaRPr>
+          </a:p>
+        </p:txBody>
+      </p:sp>
+    </p:spTree>
+    <p:extLst>
+      <p:ext uri="{BB962C8B-B14F-4D97-AF65-F5344CB8AC3E}">
+        <p14:creationId xmlns:p14="http://schemas.microsoft.com/office/powerpoint/2010/main" val="2848692919"/>
+      </p:ext>
+    </p:extLst>
+  </p:cSld>
+  <p:clrMapOvr>
+    <a:masterClrMapping/>
+  </p:clrMapOvr>
+  <mc:AlternateContent xmlns:mc="http://schemas.openxmlformats.org/markup-compatibility/2006" xmlns:p14="http://schemas.microsoft.com/office/powerpoint/2010/main">
+    <mc:Choice Requires="p14">
+      <p:transition spd="slow" p14:dur="800">
+        <p:circle/>
+      </p:transition>
+    </mc:Choice>
+    <mc:Fallback xmlns="">
+      <p:transition spd="slow">
+        <p:circle/>
+      </p:transition>
+    </mc:Fallback>
+  </mc:AlternateContent>
+</p:sld>
+</file>
+
+<file path=ppt/slides/slide5.xml><?xml version="1.0" encoding="utf-8"?>
+<p:sld xmlns:a="http://schemas.openxmlformats.org/drawingml/2006/main" xmlns:r="http://schemas.openxmlformats.org/officeDocument/2006/relationships" xmlns:p="http://schemas.openxmlformats.org/presentationml/2006/main">
+  <p:cSld>
+    <p:spTree>
+      <p:nvGrpSpPr>
+        <p:cNvPr id="1" name=""/>
+        <p:cNvGrpSpPr/>
+        <p:nvPr/>
+      </p:nvGrpSpPr>
+      <p:grpSpPr>
+        <a:xfrm>
+          <a:off x="0" y="0"/>
+          <a:ext cx="0" cy="0"/>
+          <a:chOff x="0" y="0"/>
+          <a:chExt cx="0" cy="0"/>
+        </a:xfrm>
+      </p:grpSpPr>
+      <p:pic>
+        <p:nvPicPr>
+          <p:cNvPr id="9" name="Picture 8"/>
+          <p:cNvPicPr>
+            <a:picLocks noChangeAspect="1"/>
+          </p:cNvPicPr>
+          <p:nvPr/>
+        </p:nvPicPr>
+        <p:blipFill>
+          <a:blip r:embed="rId2">
+            <a:extLst>
+              <a:ext uri="{28A0092B-C50C-407E-A947-70E740481C1C}">
+                <a14:useLocalDpi xmlns:a14="http://schemas.microsoft.com/office/drawing/2010/main" val="0"/>
+              </a:ext>
+            </a:extLst>
+          </a:blip>
+          <a:stretch>
+            <a:fillRect/>
+          </a:stretch>
+        </p:blipFill>
+        <p:spPr>
+          <a:xfrm>
+            <a:off x="0" y="0"/>
+            <a:ext cx="12192000" cy="6858000"/>
+          </a:xfrm>
+          <a:prstGeom prst="rect">
+            <a:avLst/>
+          </a:prstGeom>
+        </p:spPr>
+      </p:pic>
       <p:sp>
         <p:nvSpPr>
           <p:cNvPr id="5" name="Rectangle 4"/>
@@ -5958,7 +6295,7 @@
               </a:rPr>
               <a:t> 2020</a:t>
             </a:r>
-            <a:endParaRPr lang="en-US" sz="4000" b="1" cap="none" spc="0" dirty="0" smtClean="0">
+            <a:endParaRPr lang="en-US" sz="4000" b="1" cap="none" spc="0" dirty="0">
               <a:ln w="12700">
                 <a:solidFill>
                   <a:schemeClr val="tx2">
@@ -6052,17 +6389,10 @@
       </p:transition>
     </mc:Fallback>
   </mc:AlternateContent>
-  <p:timing>
-    <p:tnLst>
-      <p:par>
-        <p:cTn id="1" dur="indefinite" restart="never" nodeType="tmRoot"/>
-      </p:par>
-    </p:tnLst>
-  </p:timing>
 </p:sld>
 </file>
 
-<file path=ppt/slides/slide5.xml><?xml version="1.0" encoding="utf-8"?>
+<file path=ppt/slides/slide6.xml><?xml version="1.0" encoding="utf-8"?>
 <p:sld xmlns:a="http://schemas.openxmlformats.org/drawingml/2006/main" xmlns:r="http://schemas.openxmlformats.org/officeDocument/2006/relationships" xmlns:p="http://schemas.openxmlformats.org/presentationml/2006/main">
   <p:cSld>
     <p:spTree>
@@ -6131,17 +6461,10 @@
       </p:transition>
     </mc:Fallback>
   </mc:AlternateContent>
-  <p:timing>
-    <p:tnLst>
-      <p:par>
-        <p:cTn id="1" dur="indefinite" restart="never" nodeType="tmRoot"/>
-      </p:par>
-    </p:tnLst>
-  </p:timing>
 </p:sld>
 </file>
 
-<file path=ppt/slides/slide6.xml><?xml version="1.0" encoding="utf-8"?>
+<file path=ppt/slides/slide7.xml><?xml version="1.0" encoding="utf-8"?>
 <p:sld xmlns:a="http://schemas.openxmlformats.org/drawingml/2006/main" xmlns:r="http://schemas.openxmlformats.org/officeDocument/2006/relationships" xmlns:p="http://schemas.openxmlformats.org/presentationml/2006/main">
   <p:cSld>
     <p:spTree>
@@ -6213,27 +6536,7 @@
             </a:pPr>
             <a:r>
               <a:rPr lang="en-US" dirty="0"/>
-              <a:t>The architecture proposes a </a:t>
-            </a:r>
-            <a:r>
-              <a:rPr lang="en-US" dirty="0" smtClean="0"/>
-              <a:t>micro-service </a:t>
-            </a:r>
-            <a:r>
-              <a:rPr lang="en-US" dirty="0"/>
-              <a:t>oriented architecture implementation with multiple autonomous </a:t>
-            </a:r>
-            <a:r>
-              <a:rPr lang="en-US" dirty="0" smtClean="0"/>
-              <a:t>micro-services </a:t>
-            </a:r>
-            <a:r>
-              <a:rPr lang="en-US" dirty="0"/>
-              <a:t>(each one owning its own </a:t>
-            </a:r>
-            <a:r>
-              <a:rPr lang="en-US" dirty="0" smtClean="0"/>
-              <a:t>data or database).</a:t>
+              <a:t>The architecture proposes a micro-service oriented architecture implementation with multiple autonomous micro-services (each one owning its own data or database).</a:t>
             </a:r>
           </a:p>
           <a:p>
@@ -6241,72 +6544,26 @@
               <a:buNone/>
             </a:pPr>
             <a:r>
-              <a:rPr lang="en-US" dirty="0" smtClean="0"/>
-              <a:t>Different approaches are implemented </a:t>
-            </a:r>
-            <a:r>
               <a:rPr lang="en-US" dirty="0"/>
-              <a:t>within each </a:t>
-            </a:r>
-            <a:r>
-              <a:rPr lang="en-US" dirty="0" smtClean="0"/>
-              <a:t>micro-service </a:t>
-            </a:r>
-            <a:r>
-              <a:rPr lang="en-US" dirty="0"/>
-              <a:t>(simple CRUD vs. DDD/CQRS patterns</a:t>
-            </a:r>
-            <a:r>
-              <a:rPr lang="en-US" dirty="0" smtClean="0"/>
-              <a:t>).</a:t>
-            </a:r>
-            <a:r>
-              <a:rPr lang="en-US" dirty="0"/>
-              <a:t> </a:t>
-            </a:r>
-            <a:endParaRPr lang="en-US" dirty="0" smtClean="0"/>
+              <a:t>Different approaches are implemented within each micro-service (simple CRUD vs. DDD/CQRS patterns). </a:t>
+            </a:r>
           </a:p>
           <a:p>
             <a:pPr marL="0" indent="0" algn="just">
               <a:buNone/>
             </a:pPr>
             <a:r>
-              <a:rPr lang="en-US" dirty="0" smtClean="0"/>
-              <a:t>HTTP is </a:t>
-            </a:r>
-            <a:r>
               <a:rPr lang="en-US" dirty="0"/>
-              <a:t>the communication protocol between the client apps and the </a:t>
-            </a:r>
-            <a:r>
-              <a:rPr lang="en-US" dirty="0" smtClean="0"/>
-              <a:t>micro-services. Asynchronous </a:t>
+              <a:t>HTTP is the communication protocol between the client apps and the micro-services. Asynchronous communication for email sending and reports via Event Bus (</a:t>
+            </a:r>
+            <a:r>
+              <a:rPr lang="en-US" dirty="0" err="1"/>
+              <a:t>RabbitMQ</a:t>
             </a:r>
             <a:r>
               <a:rPr lang="en-US" dirty="0"/>
-              <a:t>communication for </a:t>
-            </a:r>
-            <a:r>
-              <a:rPr lang="en-US" dirty="0" smtClean="0"/>
-              <a:t>email sending and reports via </a:t>
-            </a:r>
-            <a:r>
-              <a:rPr lang="en-US" dirty="0"/>
-              <a:t>Event Bus </a:t>
-            </a:r>
-            <a:r>
-              <a:rPr lang="en-US" dirty="0" smtClean="0"/>
-              <a:t>(</a:t>
-            </a:r>
-            <a:r>
-              <a:rPr lang="en-US" dirty="0" err="1" smtClean="0"/>
-              <a:t>RabbitMQ</a:t>
-            </a:r>
-            <a:r>
-              <a:rPr lang="en-US" dirty="0" smtClean="0"/>
               <a:t>).</a:t>
             </a:r>
-            <a:endParaRPr lang="en-US" dirty="0"/>
           </a:p>
         </p:txBody>
       </p:sp>
@@ -6332,17 +6589,10 @@
       </p:transition>
     </mc:Fallback>
   </mc:AlternateContent>
-  <p:timing>
-    <p:tnLst>
-      <p:par>
-        <p:cTn id="1" dur="indefinite" restart="never" nodeType="tmRoot"/>
-      </p:par>
-    </p:tnLst>
-  </p:timing>
 </p:sld>
 </file>
 
-<file path=ppt/slides/slide7.xml><?xml version="1.0" encoding="utf-8"?>
+<file path=ppt/slides/slide8.xml><?xml version="1.0" encoding="utf-8"?>
 <p:sld xmlns:a="http://schemas.openxmlformats.org/drawingml/2006/main" xmlns:r="http://schemas.openxmlformats.org/officeDocument/2006/relationships" xmlns:p="http://schemas.openxmlformats.org/presentationml/2006/main">
   <p:cSld>
     <p:spTree>
@@ -6436,7 +6686,7 @@
           <a:p>
             <a:pPr algn="ctr"/>
             <a:r>
-              <a:rPr lang="en-US" sz="4000" b="1" cap="none" spc="0" dirty="0" smtClean="0">
+              <a:rPr lang="en-US" sz="4000" b="1" cap="none" spc="0" dirty="0">
                 <a:ln w="12700">
                   <a:solidFill>
                     <a:schemeClr val="tx2">
@@ -6492,10 +6742,9 @@
           <a:lstStyle/>
           <a:p>
             <a:r>
-              <a:rPr lang="en-US" dirty="0" smtClean="0"/>
+              <a:rPr lang="en-US" dirty="0"/>
               <a:t>Implemented by</a:t>
             </a:r>
-            <a:endParaRPr lang="en-US" dirty="0"/>
           </a:p>
         </p:txBody>
       </p:sp>
@@ -6521,17 +6770,10 @@
       </p:transition>
     </mc:Fallback>
   </mc:AlternateContent>
-  <p:timing>
-    <p:tnLst>
-      <p:par>
-        <p:cTn id="1" dur="indefinite" restart="never" nodeType="tmRoot"/>
-      </p:par>
-    </p:tnLst>
-  </p:timing>
 </p:sld>
 </file>
 
-<file path=ppt/slides/slide8.xml><?xml version="1.0" encoding="utf-8"?>
+<file path=ppt/slides/slide9.xml><?xml version="1.0" encoding="utf-8"?>
 <p:sld xmlns:a="http://schemas.openxmlformats.org/drawingml/2006/main" xmlns:r="http://schemas.openxmlformats.org/officeDocument/2006/relationships" xmlns:p="http://schemas.openxmlformats.org/presentationml/2006/main">
   <p:cSld>
     <p:spTree>
@@ -6785,10 +7027,9 @@
           <a:lstStyle/>
           <a:p>
             <a:r>
-              <a:rPr lang="en-US" dirty="0" smtClean="0"/>
+              <a:rPr lang="en-US" dirty="0"/>
               <a:t>Personality Tests Web Service</a:t>
             </a:r>
-            <a:endParaRPr lang="en-US" dirty="0"/>
           </a:p>
         </p:txBody>
       </p:sp>
@@ -6816,29 +7057,20 @@
           <a:p>
             <a:pPr algn="ctr"/>
             <a:r>
-              <a:rPr lang="en-US" b="1" dirty="0" smtClean="0"/>
+              <a:rPr lang="en-US" b="1" dirty="0"/>
               <a:t>Bounded Context </a:t>
             </a:r>
             <a:r>
-              <a:rPr lang="en-US" dirty="0" smtClean="0"/>
-              <a:t>is central </a:t>
-            </a:r>
-            <a:r>
               <a:rPr lang="en-US" dirty="0"/>
-              <a:t>pattern </a:t>
-            </a:r>
-            <a:r>
-              <a:rPr lang="en-US" dirty="0" smtClean="0"/>
-              <a:t>in</a:t>
+              <a:t>is central pattern in</a:t>
             </a:r>
           </a:p>
           <a:p>
             <a:pPr algn="ctr"/>
             <a:r>
-              <a:rPr lang="en-US" dirty="0" smtClean="0"/>
+              <a:rPr lang="en-US" dirty="0"/>
               <a:t> the Domain-Driven Design</a:t>
             </a:r>
-            <a:endParaRPr lang="en-US" dirty="0"/>
           </a:p>
         </p:txBody>
       </p:sp>
@@ -6902,24 +7134,23 @@
           <a:lstStyle/>
           <a:p>
             <a:r>
-              <a:rPr lang="en-US" dirty="0" smtClean="0"/>
+              <a:rPr lang="en-US" dirty="0"/>
               <a:t>A </a:t>
             </a:r>
             <a:r>
-              <a:rPr lang="en-US" b="1" dirty="0" smtClean="0"/>
+              <a:rPr lang="en-US" b="1" dirty="0"/>
               <a:t>command handler </a:t>
             </a:r>
             <a:r>
-              <a:rPr lang="en-US" dirty="0" smtClean="0"/>
+              <a:rPr lang="en-US" dirty="0"/>
               <a:t>receives a command and </a:t>
             </a:r>
           </a:p>
           <a:p>
             <a:r>
-              <a:rPr lang="en-US" dirty="0" smtClean="0"/>
+              <a:rPr lang="en-US" dirty="0"/>
               <a:t>brokers a result. The result is either a successful or an exception.</a:t>
             </a:r>
-            <a:endParaRPr lang="en-US" dirty="0"/>
           </a:p>
         </p:txBody>
       </p:sp>
@@ -6945,7 +7176,7 @@
           <a:lstStyle/>
           <a:p>
             <a:r>
-              <a:rPr lang="en-US" b="1" i="0" dirty="0" smtClean="0">
+              <a:rPr lang="en-US" b="1" i="0" dirty="0">
                 <a:solidFill>
                   <a:srgbClr val="24292E"/>
                 </a:solidFill>
@@ -6954,7 +7185,7 @@
               <a:t>Commands</a:t>
             </a:r>
             <a:r>
-              <a:rPr lang="en-US" b="0" i="0" dirty="0" smtClean="0">
+              <a:rPr lang="en-US" b="0" i="0" dirty="0">
                 <a:solidFill>
                   <a:srgbClr val="24292E"/>
                 </a:solidFill>
@@ -6963,7 +7194,7 @@
               <a:t> are responsible for </a:t>
             </a:r>
             <a:r>
-              <a:rPr lang="en-US" b="1" i="0" dirty="0" smtClean="0">
+              <a:rPr lang="en-US" b="1" i="0" dirty="0">
                 <a:solidFill>
                   <a:srgbClr val="24292E"/>
                 </a:solidFill>
@@ -6972,7 +7203,7 @@
               <a:t>changing</a:t>
             </a:r>
             <a:r>
-              <a:rPr lang="en-US" b="0" i="0" dirty="0" smtClean="0">
+              <a:rPr lang="en-US" b="0" i="0" dirty="0">
                 <a:solidFill>
                   <a:srgbClr val="24292E"/>
                 </a:solidFill>
@@ -6983,7 +7214,7 @@
           </a:p>
           <a:p>
             <a:r>
-              <a:rPr lang="en-US" b="0" i="0" dirty="0" smtClean="0">
+              <a:rPr lang="en-US" b="0" i="0" dirty="0">
                 <a:solidFill>
                   <a:srgbClr val="24292E"/>
                 </a:solidFill>
@@ -7017,7 +7248,7 @@
           <a:lstStyle/>
           <a:p>
             <a:r>
-              <a:rPr lang="en-US" b="1" i="0" dirty="0" smtClean="0">
+              <a:rPr lang="en-US" b="1" i="0" dirty="0">
                 <a:solidFill>
                   <a:srgbClr val="24292E"/>
                 </a:solidFill>
@@ -7026,7 +7257,7 @@
               <a:t>Queries</a:t>
             </a:r>
             <a:r>
-              <a:rPr lang="en-US" b="0" i="0" dirty="0" smtClean="0">
+              <a:rPr lang="en-US" b="0" i="0" dirty="0">
                 <a:solidFill>
                   <a:srgbClr val="24292E"/>
                 </a:solidFill>
@@ -7035,7 +7266,7 @@
               <a:t> are responsible for </a:t>
             </a:r>
             <a:r>
-              <a:rPr lang="en-US" b="1" i="0" dirty="0" smtClean="0">
+              <a:rPr lang="en-US" b="1" i="0" dirty="0">
                 <a:solidFill>
                   <a:srgbClr val="24292E"/>
                 </a:solidFill>
@@ -7044,7 +7275,7 @@
               <a:t>reading</a:t>
             </a:r>
             <a:r>
-              <a:rPr lang="en-US" b="0" i="0" dirty="0" smtClean="0">
+              <a:rPr lang="en-US" b="0" i="0" dirty="0">
                 <a:solidFill>
                   <a:srgbClr val="24292E"/>
                 </a:solidFill>
@@ -7055,7 +7286,7 @@
           </a:p>
           <a:p>
             <a:r>
-              <a:rPr lang="en-US" b="0" i="0" dirty="0" smtClean="0">
+              <a:rPr lang="en-US" b="0" i="0" dirty="0">
                 <a:solidFill>
                   <a:srgbClr val="24292E"/>
                 </a:solidFill>
@@ -7089,25 +7320,24 @@
           <a:lstStyle/>
           <a:p>
             <a:r>
-              <a:rPr lang="en-US" dirty="0" smtClean="0"/>
+              <a:rPr lang="en-US" dirty="0"/>
               <a:t>A </a:t>
             </a:r>
             <a:r>
-              <a:rPr lang="en-US" b="1" dirty="0" smtClean="0"/>
+              <a:rPr lang="en-US" b="1" dirty="0"/>
               <a:t>query handler </a:t>
             </a:r>
             <a:r>
-              <a:rPr lang="en-US" dirty="0" smtClean="0"/>
+              <a:rPr lang="en-US" dirty="0"/>
               <a:t>implements </a:t>
             </a:r>
             <a:br>
-              <a:rPr lang="en-US" dirty="0" smtClean="0"/>
+              <a:rPr lang="en-US" dirty="0"/>
             </a:br>
             <a:r>
-              <a:rPr lang="en-US" dirty="0" smtClean="0"/>
+              <a:rPr lang="en-US" dirty="0"/>
               <a:t>the logic for the current query.</a:t>
             </a:r>
-            <a:endParaRPr lang="en-US" dirty="0"/>
           </a:p>
         </p:txBody>
       </p:sp>
@@ -7175,7 +7405,7 @@
           <a:p>
             <a:pPr algn="ctr"/>
             <a:r>
-              <a:rPr lang="en-US" sz="2800" b="1" cap="none" spc="0" dirty="0" smtClean="0">
+              <a:rPr lang="en-US" sz="2800" b="1" cap="none" spc="0" dirty="0">
                 <a:ln w="12700">
                   <a:solidFill>
                     <a:schemeClr val="tx2">
@@ -7206,7 +7436,7 @@
               <a:t>Implemented with the               </a:t>
             </a:r>
             <a:r>
-              <a:rPr lang="en-US" sz="2800" b="1" cap="none" spc="0" dirty="0" err="1" smtClean="0">
+              <a:rPr lang="en-US" sz="2800" b="1" cap="none" spc="0" dirty="0" err="1">
                 <a:ln w="12700">
                   <a:solidFill>
                     <a:schemeClr val="tx2">
@@ -7237,7 +7467,7 @@
               <a:t>ediatR</a:t>
             </a:r>
             <a:r>
-              <a:rPr lang="en-US" sz="2800" b="1" cap="none" spc="0" dirty="0" smtClean="0">
+              <a:rPr lang="en-US" sz="2800" b="1" cap="none" spc="0" dirty="0">
                 <a:ln w="12700">
                   <a:solidFill>
                     <a:schemeClr val="tx2">
@@ -7267,34 +7497,6 @@
               </a:rPr>
               <a:t> </a:t>
             </a:r>
-            <a:endParaRPr lang="en-US" sz="2800" b="1" cap="none" spc="0" dirty="0">
-              <a:ln w="12700">
-                <a:solidFill>
-                  <a:schemeClr val="tx2">
-                    <a:lumMod val="75000"/>
-                  </a:schemeClr>
-                </a:solidFill>
-                <a:prstDash val="solid"/>
-              </a:ln>
-              <a:pattFill prst="dkUpDiag">
-                <a:fgClr>
-                  <a:schemeClr val="tx2"/>
-                </a:fgClr>
-                <a:bgClr>
-                  <a:schemeClr val="tx2">
-                    <a:lumMod val="20000"/>
-                    <a:lumOff val="80000"/>
-                  </a:schemeClr>
-                </a:bgClr>
-              </a:pattFill>
-              <a:effectLst>
-                <a:outerShdw dist="38100" dir="2640000" algn="bl" rotWithShape="0">
-                  <a:schemeClr val="tx2">
-                    <a:lumMod val="75000"/>
-                  </a:schemeClr>
-                </a:outerShdw>
-              </a:effectLst>
-            </a:endParaRPr>
           </a:p>
         </p:txBody>
       </p:sp>
@@ -7378,535 +7580,6 @@
       </p:transition>
     </mc:Fallback>
   </mc:AlternateContent>
-  <p:timing>
-    <p:tnLst>
-      <p:par>
-        <p:cTn id="1" dur="indefinite" restart="never" nodeType="tmRoot"/>
-      </p:par>
-    </p:tnLst>
-  </p:timing>
-</p:sld>
-</file>
-
-<file path=ppt/slides/slide9.xml><?xml version="1.0" encoding="utf-8"?>
-<p:sld xmlns:a="http://schemas.openxmlformats.org/drawingml/2006/main" xmlns:r="http://schemas.openxmlformats.org/officeDocument/2006/relationships" xmlns:p="http://schemas.openxmlformats.org/presentationml/2006/main">
-  <p:cSld>
-    <p:spTree>
-      <p:nvGrpSpPr>
-        <p:cNvPr id="1" name=""/>
-        <p:cNvGrpSpPr/>
-        <p:nvPr/>
-      </p:nvGrpSpPr>
-      <p:grpSpPr>
-        <a:xfrm>
-          <a:off x="0" y="0"/>
-          <a:ext cx="0" cy="0"/>
-          <a:chOff x="0" y="0"/>
-          <a:chExt cx="0" cy="0"/>
-        </a:xfrm>
-      </p:grpSpPr>
-      <p:pic>
-        <p:nvPicPr>
-          <p:cNvPr id="5" name="Picture 4"/>
-          <p:cNvPicPr>
-            <a:picLocks noChangeAspect="1"/>
-          </p:cNvPicPr>
-          <p:nvPr/>
-        </p:nvPicPr>
-        <p:blipFill>
-          <a:blip r:embed="rId2">
-            <a:extLst>
-              <a:ext uri="{28A0092B-C50C-407E-A947-70E740481C1C}">
-                <a14:useLocalDpi xmlns:a14="http://schemas.microsoft.com/office/drawing/2010/main" val="0"/>
-              </a:ext>
-            </a:extLst>
-          </a:blip>
-          <a:stretch>
-            <a:fillRect/>
-          </a:stretch>
-        </p:blipFill>
-        <p:spPr>
-          <a:xfrm>
-            <a:off x="0" y="-16992"/>
-            <a:ext cx="12192000" cy="6858000"/>
-          </a:xfrm>
-          <a:prstGeom prst="rect">
-            <a:avLst/>
-          </a:prstGeom>
-        </p:spPr>
-      </p:pic>
-      <p:sp>
-        <p:nvSpPr>
-          <p:cNvPr id="7" name="Content Placeholder 2"/>
-          <p:cNvSpPr>
-            <a:spLocks noGrp="1"/>
-          </p:cNvSpPr>
-          <p:nvPr>
-            <p:ph idx="1"/>
-          </p:nvPr>
-        </p:nvSpPr>
-        <p:spPr>
-          <a:xfrm>
-            <a:off x="4150894" y="474334"/>
-            <a:ext cx="3781353" cy="772051"/>
-          </a:xfrm>
-        </p:spPr>
-        <p:txBody>
-          <a:bodyPr>
-            <a:noAutofit/>
-          </a:bodyPr>
-          <a:lstStyle/>
-          <a:p>
-            <a:pPr marL="0" indent="0" algn="just">
-              <a:buNone/>
-            </a:pPr>
-            <a:r>
-              <a:rPr lang="en-US" sz="4000" b="1" cap="none" spc="0" dirty="0" smtClean="0">
-                <a:ln w="12700">
-                  <a:solidFill>
-                    <a:schemeClr val="tx2">
-                      <a:lumMod val="75000"/>
-                    </a:schemeClr>
-                  </a:solidFill>
-                  <a:prstDash val="solid"/>
-                </a:ln>
-                <a:pattFill prst="dkUpDiag">
-                  <a:fgClr>
-                    <a:schemeClr val="tx2"/>
-                  </a:fgClr>
-                  <a:bgClr>
-                    <a:schemeClr val="tx2">
-                      <a:lumMod val="20000"/>
-                      <a:lumOff val="80000"/>
-                    </a:schemeClr>
-                  </a:bgClr>
-                </a:pattFill>
-                <a:effectLst>
-                  <a:outerShdw dist="38100" dir="2640000" algn="bl" rotWithShape="0">
-                    <a:schemeClr val="tx2">
-                      <a:lumMod val="75000"/>
-                    </a:schemeClr>
-                  </a:outerShdw>
-                </a:effectLst>
-              </a:rPr>
-              <a:t>Event Sourcing</a:t>
-            </a:r>
-            <a:endParaRPr lang="en-US" sz="4000" dirty="0"/>
-          </a:p>
-        </p:txBody>
-      </p:sp>
-      <p:pic>
-        <p:nvPicPr>
-          <p:cNvPr id="2" name="Picture 1"/>
-          <p:cNvPicPr>
-            <a:picLocks noChangeAspect="1"/>
-          </p:cNvPicPr>
-          <p:nvPr/>
-        </p:nvPicPr>
-        <p:blipFill>
-          <a:blip r:embed="rId3"/>
-          <a:stretch>
-            <a:fillRect/>
-          </a:stretch>
-        </p:blipFill>
-        <p:spPr>
-          <a:xfrm>
-            <a:off x="2194968" y="3700756"/>
-            <a:ext cx="7375775" cy="1599914"/>
-          </a:xfrm>
-          <a:prstGeom prst="rect">
-            <a:avLst/>
-          </a:prstGeom>
-        </p:spPr>
-      </p:pic>
-      <p:sp>
-        <p:nvSpPr>
-          <p:cNvPr id="6" name="TextBox 2"/>
-          <p:cNvSpPr txBox="1"/>
-          <p:nvPr/>
-        </p:nvSpPr>
-        <p:spPr>
-          <a:xfrm>
-            <a:off x="1942193" y="1150007"/>
-            <a:ext cx="6565900" cy="1477328"/>
-          </a:xfrm>
-          <a:prstGeom prst="rect">
-            <a:avLst/>
-          </a:prstGeom>
-          <a:noFill/>
-        </p:spPr>
-        <p:txBody>
-          <a:bodyPr wrap="square" rtlCol="0">
-            <a:spAutoFit/>
-          </a:bodyPr>
-          <a:lstStyle>
-            <a:defPPr>
-              <a:defRPr lang="en-US"/>
-            </a:defPPr>
-            <a:lvl1pPr marL="0" algn="l" defTabSz="914400" rtl="0" eaLnBrk="1" latinLnBrk="0" hangingPunct="1">
-              <a:defRPr sz="1800" kern="1200">
-                <a:solidFill>
-                  <a:schemeClr val="tx1"/>
-                </a:solidFill>
-                <a:latin typeface="+mn-lt"/>
-                <a:ea typeface="+mn-ea"/>
-                <a:cs typeface="+mn-cs"/>
-              </a:defRPr>
-            </a:lvl1pPr>
-            <a:lvl2pPr marL="457200" algn="l" defTabSz="914400" rtl="0" eaLnBrk="1" latinLnBrk="0" hangingPunct="1">
-              <a:defRPr sz="1800" kern="1200">
-                <a:solidFill>
-                  <a:schemeClr val="tx1"/>
-                </a:solidFill>
-                <a:latin typeface="+mn-lt"/>
-                <a:ea typeface="+mn-ea"/>
-                <a:cs typeface="+mn-cs"/>
-              </a:defRPr>
-            </a:lvl2pPr>
-            <a:lvl3pPr marL="914400" algn="l" defTabSz="914400" rtl="0" eaLnBrk="1" latinLnBrk="0" hangingPunct="1">
-              <a:defRPr sz="1800" kern="1200">
-                <a:solidFill>
-                  <a:schemeClr val="tx1"/>
-                </a:solidFill>
-                <a:latin typeface="+mn-lt"/>
-                <a:ea typeface="+mn-ea"/>
-                <a:cs typeface="+mn-cs"/>
-              </a:defRPr>
-            </a:lvl3pPr>
-            <a:lvl4pPr marL="1371600" algn="l" defTabSz="914400" rtl="0" eaLnBrk="1" latinLnBrk="0" hangingPunct="1">
-              <a:defRPr sz="1800" kern="1200">
-                <a:solidFill>
-                  <a:schemeClr val="tx1"/>
-                </a:solidFill>
-                <a:latin typeface="+mn-lt"/>
-                <a:ea typeface="+mn-ea"/>
-                <a:cs typeface="+mn-cs"/>
-              </a:defRPr>
-            </a:lvl4pPr>
-            <a:lvl5pPr marL="1828800" algn="l" defTabSz="914400" rtl="0" eaLnBrk="1" latinLnBrk="0" hangingPunct="1">
-              <a:defRPr sz="1800" kern="1200">
-                <a:solidFill>
-                  <a:schemeClr val="tx1"/>
-                </a:solidFill>
-                <a:latin typeface="+mn-lt"/>
-                <a:ea typeface="+mn-ea"/>
-                <a:cs typeface="+mn-cs"/>
-              </a:defRPr>
-            </a:lvl5pPr>
-            <a:lvl6pPr marL="2286000" algn="l" defTabSz="914400" rtl="0" eaLnBrk="1" latinLnBrk="0" hangingPunct="1">
-              <a:defRPr sz="1800" kern="1200">
-                <a:solidFill>
-                  <a:schemeClr val="tx1"/>
-                </a:solidFill>
-                <a:latin typeface="+mn-lt"/>
-                <a:ea typeface="+mn-ea"/>
-                <a:cs typeface="+mn-cs"/>
-              </a:defRPr>
-            </a:lvl6pPr>
-            <a:lvl7pPr marL="2743200" algn="l" defTabSz="914400" rtl="0" eaLnBrk="1" latinLnBrk="0" hangingPunct="1">
-              <a:defRPr sz="1800" kern="1200">
-                <a:solidFill>
-                  <a:schemeClr val="tx1"/>
-                </a:solidFill>
-                <a:latin typeface="+mn-lt"/>
-                <a:ea typeface="+mn-ea"/>
-                <a:cs typeface="+mn-cs"/>
-              </a:defRPr>
-            </a:lvl7pPr>
-            <a:lvl8pPr marL="3200400" algn="l" defTabSz="914400" rtl="0" eaLnBrk="1" latinLnBrk="0" hangingPunct="1">
-              <a:defRPr sz="1800" kern="1200">
-                <a:solidFill>
-                  <a:schemeClr val="tx1"/>
-                </a:solidFill>
-                <a:latin typeface="+mn-lt"/>
-                <a:ea typeface="+mn-ea"/>
-                <a:cs typeface="+mn-cs"/>
-              </a:defRPr>
-            </a:lvl8pPr>
-            <a:lvl9pPr marL="3657600" algn="l" defTabSz="914400" rtl="0" eaLnBrk="1" latinLnBrk="0" hangingPunct="1">
-              <a:defRPr sz="1800" kern="1200">
-                <a:solidFill>
-                  <a:schemeClr val="tx1"/>
-                </a:solidFill>
-                <a:latin typeface="+mn-lt"/>
-                <a:ea typeface="+mn-ea"/>
-                <a:cs typeface="+mn-cs"/>
-              </a:defRPr>
-            </a:lvl9pPr>
-          </a:lstStyle>
-          <a:p>
-            <a:pPr marL="342900" indent="-342900">
-              <a:buAutoNum type="arabicPeriod"/>
-            </a:pPr>
-            <a:r>
-              <a:rPr lang="en-US" dirty="0" smtClean="0"/>
-              <a:t>Implementing </a:t>
-            </a:r>
-            <a:r>
-              <a:rPr lang="en-US" dirty="0"/>
-              <a:t>an event-driven architecture and makes it possible to reliably publish </a:t>
-            </a:r>
-            <a:r>
-              <a:rPr lang="en-US" dirty="0" smtClean="0"/>
-              <a:t>events</a:t>
-            </a:r>
-          </a:p>
-          <a:p>
-            <a:pPr marL="342900" indent="-342900">
-              <a:buAutoNum type="arabicPeriod"/>
-            </a:pPr>
-            <a:r>
-              <a:rPr lang="en-US" dirty="0"/>
-              <a:t>P</a:t>
-            </a:r>
-            <a:r>
-              <a:rPr lang="en-US" dirty="0" smtClean="0"/>
-              <a:t>rovides </a:t>
-            </a:r>
-            <a:r>
-              <a:rPr lang="en-US" dirty="0"/>
-              <a:t>a 100% reliable audit log of the changes made to a business entity (</a:t>
-            </a:r>
-            <a:r>
-              <a:rPr lang="en-US" b="1" dirty="0"/>
-              <a:t>Very</a:t>
-            </a:r>
-            <a:r>
-              <a:rPr lang="en-US" dirty="0"/>
-              <a:t> </a:t>
-            </a:r>
-            <a:r>
-              <a:rPr lang="en-US" b="1" dirty="0"/>
-              <a:t>useful</a:t>
-            </a:r>
-            <a:r>
-              <a:rPr lang="en-US" dirty="0"/>
-              <a:t> for </a:t>
-            </a:r>
-            <a:r>
-              <a:rPr lang="en-US" dirty="0" smtClean="0"/>
-              <a:t>reports)</a:t>
-            </a:r>
-          </a:p>
-          <a:p>
-            <a:pPr marL="342900" indent="-342900">
-              <a:buAutoNum type="arabicPeriod"/>
-            </a:pPr>
-            <a:r>
-              <a:rPr lang="en-US" dirty="0" smtClean="0"/>
-              <a:t>Implementation </a:t>
-            </a:r>
-            <a:r>
-              <a:rPr lang="en-US" dirty="0"/>
-              <a:t>via </a:t>
-            </a:r>
-          </a:p>
-        </p:txBody>
-      </p:sp>
-      <p:pic>
-        <p:nvPicPr>
-          <p:cNvPr id="8" name="Picture 7" descr="Резултат с изображение за marten dot net"/>
-          <p:cNvPicPr>
-            <a:picLocks noChangeAspect="1" noChangeArrowheads="1"/>
-          </p:cNvPicPr>
-          <p:nvPr/>
-        </p:nvPicPr>
-        <p:blipFill>
-          <a:blip r:embed="rId4" cstate="print">
-            <a:extLst>
-              <a:ext uri="{28A0092B-C50C-407E-A947-70E740481C1C}">
-                <a14:useLocalDpi xmlns:a14="http://schemas.microsoft.com/office/drawing/2010/main" val="0"/>
-              </a:ext>
-            </a:extLst>
-          </a:blip>
-          <a:srcRect/>
-          <a:stretch>
-            <a:fillRect/>
-          </a:stretch>
-        </p:blipFill>
-        <p:spPr bwMode="auto">
-          <a:xfrm>
-            <a:off x="4150894" y="2307183"/>
-            <a:ext cx="3463925" cy="1164696"/>
-          </a:xfrm>
-          <a:prstGeom prst="rect">
-            <a:avLst/>
-          </a:prstGeom>
-          <a:noFill/>
-          <a:extLst>
-            <a:ext uri="{909E8E84-426E-40DD-AFC4-6F175D3DCCD1}">
-              <a14:hiddenFill xmlns:a14="http://schemas.microsoft.com/office/drawing/2010/main">
-                <a:solidFill>
-                  <a:srgbClr val="FFFFFF"/>
-                </a:solidFill>
-              </a14:hiddenFill>
-            </a:ext>
-          </a:extLst>
-        </p:spPr>
-      </p:pic>
-      <p:sp>
-        <p:nvSpPr>
-          <p:cNvPr id="9" name="TextBox 4"/>
-          <p:cNvSpPr txBox="1"/>
-          <p:nvPr/>
-        </p:nvSpPr>
-        <p:spPr>
-          <a:xfrm>
-            <a:off x="5235157" y="3254328"/>
-            <a:ext cx="7670800" cy="646331"/>
-          </a:xfrm>
-          <a:prstGeom prst="rect">
-            <a:avLst/>
-          </a:prstGeom>
-          <a:noFill/>
-        </p:spPr>
-        <p:txBody>
-          <a:bodyPr wrap="square" rtlCol="0">
-            <a:spAutoFit/>
-          </a:bodyPr>
-          <a:lstStyle>
-            <a:defPPr>
-              <a:defRPr lang="en-US"/>
-            </a:defPPr>
-            <a:lvl1pPr marL="0" algn="l" defTabSz="914400" rtl="0" eaLnBrk="1" latinLnBrk="0" hangingPunct="1">
-              <a:defRPr sz="1800" kern="1200">
-                <a:solidFill>
-                  <a:schemeClr val="tx1"/>
-                </a:solidFill>
-                <a:latin typeface="+mn-lt"/>
-                <a:ea typeface="+mn-ea"/>
-                <a:cs typeface="+mn-cs"/>
-              </a:defRPr>
-            </a:lvl1pPr>
-            <a:lvl2pPr marL="457200" algn="l" defTabSz="914400" rtl="0" eaLnBrk="1" latinLnBrk="0" hangingPunct="1">
-              <a:defRPr sz="1800" kern="1200">
-                <a:solidFill>
-                  <a:schemeClr val="tx1"/>
-                </a:solidFill>
-                <a:latin typeface="+mn-lt"/>
-                <a:ea typeface="+mn-ea"/>
-                <a:cs typeface="+mn-cs"/>
-              </a:defRPr>
-            </a:lvl2pPr>
-            <a:lvl3pPr marL="914400" algn="l" defTabSz="914400" rtl="0" eaLnBrk="1" latinLnBrk="0" hangingPunct="1">
-              <a:defRPr sz="1800" kern="1200">
-                <a:solidFill>
-                  <a:schemeClr val="tx1"/>
-                </a:solidFill>
-                <a:latin typeface="+mn-lt"/>
-                <a:ea typeface="+mn-ea"/>
-                <a:cs typeface="+mn-cs"/>
-              </a:defRPr>
-            </a:lvl3pPr>
-            <a:lvl4pPr marL="1371600" algn="l" defTabSz="914400" rtl="0" eaLnBrk="1" latinLnBrk="0" hangingPunct="1">
-              <a:defRPr sz="1800" kern="1200">
-                <a:solidFill>
-                  <a:schemeClr val="tx1"/>
-                </a:solidFill>
-                <a:latin typeface="+mn-lt"/>
-                <a:ea typeface="+mn-ea"/>
-                <a:cs typeface="+mn-cs"/>
-              </a:defRPr>
-            </a:lvl4pPr>
-            <a:lvl5pPr marL="1828800" algn="l" defTabSz="914400" rtl="0" eaLnBrk="1" latinLnBrk="0" hangingPunct="1">
-              <a:defRPr sz="1800" kern="1200">
-                <a:solidFill>
-                  <a:schemeClr val="tx1"/>
-                </a:solidFill>
-                <a:latin typeface="+mn-lt"/>
-                <a:ea typeface="+mn-ea"/>
-                <a:cs typeface="+mn-cs"/>
-              </a:defRPr>
-            </a:lvl5pPr>
-            <a:lvl6pPr marL="2286000" algn="l" defTabSz="914400" rtl="0" eaLnBrk="1" latinLnBrk="0" hangingPunct="1">
-              <a:defRPr sz="1800" kern="1200">
-                <a:solidFill>
-                  <a:schemeClr val="tx1"/>
-                </a:solidFill>
-                <a:latin typeface="+mn-lt"/>
-                <a:ea typeface="+mn-ea"/>
-                <a:cs typeface="+mn-cs"/>
-              </a:defRPr>
-            </a:lvl6pPr>
-            <a:lvl7pPr marL="2743200" algn="l" defTabSz="914400" rtl="0" eaLnBrk="1" latinLnBrk="0" hangingPunct="1">
-              <a:defRPr sz="1800" kern="1200">
-                <a:solidFill>
-                  <a:schemeClr val="tx1"/>
-                </a:solidFill>
-                <a:latin typeface="+mn-lt"/>
-                <a:ea typeface="+mn-ea"/>
-                <a:cs typeface="+mn-cs"/>
-              </a:defRPr>
-            </a:lvl7pPr>
-            <a:lvl8pPr marL="3200400" algn="l" defTabSz="914400" rtl="0" eaLnBrk="1" latinLnBrk="0" hangingPunct="1">
-              <a:defRPr sz="1800" kern="1200">
-                <a:solidFill>
-                  <a:schemeClr val="tx1"/>
-                </a:solidFill>
-                <a:latin typeface="+mn-lt"/>
-                <a:ea typeface="+mn-ea"/>
-                <a:cs typeface="+mn-cs"/>
-              </a:defRPr>
-            </a:lvl8pPr>
-            <a:lvl9pPr marL="3657600" algn="l" defTabSz="914400" rtl="0" eaLnBrk="1" latinLnBrk="0" hangingPunct="1">
-              <a:defRPr sz="1800" kern="1200">
-                <a:solidFill>
-                  <a:schemeClr val="tx1"/>
-                </a:solidFill>
-                <a:latin typeface="+mn-lt"/>
-                <a:ea typeface="+mn-ea"/>
-                <a:cs typeface="+mn-cs"/>
-              </a:defRPr>
-            </a:lvl9pPr>
-          </a:lstStyle>
-          <a:p>
-            <a:r>
-              <a:rPr lang="en-US" dirty="0"/>
-              <a:t>Polyglot Persistence </a:t>
-            </a:r>
-            <a:r>
-              <a:rPr lang="en-US" dirty="0" smtClean="0"/>
-              <a:t>using PostgreSQL </a:t>
-            </a:r>
-            <a:r>
-              <a:rPr lang="en-US" dirty="0"/>
-              <a:t>Database</a:t>
-            </a:r>
-          </a:p>
-          <a:p>
-            <a:endParaRPr lang="en-US" dirty="0"/>
-          </a:p>
-        </p:txBody>
-      </p:sp>
-    </p:spTree>
-    <p:extLst>
-      <p:ext uri="{BB962C8B-B14F-4D97-AF65-F5344CB8AC3E}">
-        <p14:creationId xmlns:p14="http://schemas.microsoft.com/office/powerpoint/2010/main" val="3955637945"/>
-      </p:ext>
-    </p:extLst>
-  </p:cSld>
-  <p:clrMapOvr>
-    <a:masterClrMapping/>
-  </p:clrMapOvr>
-  <mc:AlternateContent xmlns:mc="http://schemas.openxmlformats.org/markup-compatibility/2006" xmlns:p14="http://schemas.microsoft.com/office/powerpoint/2010/main">
-    <mc:Choice Requires="p14">
-      <p:transition spd="slow" p14:dur="800">
-        <p:circle/>
-      </p:transition>
-    </mc:Choice>
-    <mc:Fallback xmlns="">
-      <p:transition spd="slow">
-        <p:circle/>
-      </p:transition>
-    </mc:Fallback>
-  </mc:AlternateContent>
-  <p:timing>
-    <p:tnLst>
-      <p:par>
-        <p:cTn id="1" dur="indefinite" restart="never" nodeType="tmRoot"/>
-      </p:par>
-    </p:tnLst>
-  </p:timing>
 </p:sld>
 </file>
 
